--- a/files/teaching-resources/concordiacollege-busn-301/busn-301-lecture-note/busn301-ch02.pptx
+++ b/files/teaching-resources/concordiacollege-busn-301/busn-301-lecture-note/busn301-ch02.pptx
@@ -248,7 +248,7 @@
           <a:p>
             <a:fld id="{2D359EC7-19C7-4638-A61A-0E2B59861576}" type="datetimeFigureOut">
               <a:rPr lang="en-US" smtClean="0"/>
-              <a:t>1/14/2026</a:t>
+              <a:t>1/18/2026</a:t>
             </a:fld>
             <a:endParaRPr lang="en-US"/>
           </a:p>
@@ -1678,7 +1678,7 @@
           <a:p>
             <a:fld id="{5BCAD085-E8A6-8845-BD4E-CB4CCA059FC4}" type="datetimeFigureOut">
               <a:rPr lang="en-US" smtClean="0"/>
-              <a:t>1/14/2026</a:t>
+              <a:t>1/18/2026</a:t>
             </a:fld>
             <a:endParaRPr lang="en-US"/>
           </a:p>
@@ -1846,7 +1846,7 @@
           <a:p>
             <a:fld id="{5BCAD085-E8A6-8845-BD4E-CB4CCA059FC4}" type="datetimeFigureOut">
               <a:rPr lang="en-US" smtClean="0"/>
-              <a:t>1/14/2026</a:t>
+              <a:t>1/18/2026</a:t>
             </a:fld>
             <a:endParaRPr lang="en-US"/>
           </a:p>
@@ -2024,7 +2024,7 @@
           <a:p>
             <a:fld id="{5BCAD085-E8A6-8845-BD4E-CB4CCA059FC4}" type="datetimeFigureOut">
               <a:rPr lang="en-US" smtClean="0"/>
-              <a:t>1/14/2026</a:t>
+              <a:t>1/18/2026</a:t>
             </a:fld>
             <a:endParaRPr lang="en-US"/>
           </a:p>
@@ -2192,7 +2192,7 @@
           <a:p>
             <a:fld id="{5BCAD085-E8A6-8845-BD4E-CB4CCA059FC4}" type="datetimeFigureOut">
               <a:rPr lang="en-US" smtClean="0"/>
-              <a:t>1/14/2026</a:t>
+              <a:t>1/18/2026</a:t>
             </a:fld>
             <a:endParaRPr lang="en-US"/>
           </a:p>
@@ -2437,7 +2437,7 @@
           <a:p>
             <a:fld id="{5BCAD085-E8A6-8845-BD4E-CB4CCA059FC4}" type="datetimeFigureOut">
               <a:rPr lang="en-US" smtClean="0"/>
-              <a:t>1/14/2026</a:t>
+              <a:t>1/18/2026</a:t>
             </a:fld>
             <a:endParaRPr lang="en-US"/>
           </a:p>
@@ -2722,7 +2722,7 @@
           <a:p>
             <a:fld id="{5BCAD085-E8A6-8845-BD4E-CB4CCA059FC4}" type="datetimeFigureOut">
               <a:rPr lang="en-US" smtClean="0"/>
-              <a:t>1/14/2026</a:t>
+              <a:t>1/18/2026</a:t>
             </a:fld>
             <a:endParaRPr lang="en-US"/>
           </a:p>
@@ -3141,7 +3141,7 @@
           <a:p>
             <a:fld id="{5BCAD085-E8A6-8845-BD4E-CB4CCA059FC4}" type="datetimeFigureOut">
               <a:rPr lang="en-US" smtClean="0"/>
-              <a:t>1/14/2026</a:t>
+              <a:t>1/18/2026</a:t>
             </a:fld>
             <a:endParaRPr lang="en-US"/>
           </a:p>
@@ -3258,7 +3258,7 @@
           <a:p>
             <a:fld id="{5BCAD085-E8A6-8845-BD4E-CB4CCA059FC4}" type="datetimeFigureOut">
               <a:rPr lang="en-US" smtClean="0"/>
-              <a:t>1/14/2026</a:t>
+              <a:t>1/18/2026</a:t>
             </a:fld>
             <a:endParaRPr lang="en-US"/>
           </a:p>
@@ -3353,7 +3353,7 @@
           <a:p>
             <a:fld id="{5BCAD085-E8A6-8845-BD4E-CB4CCA059FC4}" type="datetimeFigureOut">
               <a:rPr lang="en-US" smtClean="0"/>
-              <a:t>1/14/2026</a:t>
+              <a:t>1/18/2026</a:t>
             </a:fld>
             <a:endParaRPr lang="en-US"/>
           </a:p>
@@ -3628,7 +3628,7 @@
           <a:p>
             <a:fld id="{5BCAD085-E8A6-8845-BD4E-CB4CCA059FC4}" type="datetimeFigureOut">
               <a:rPr lang="en-US" smtClean="0"/>
-              <a:t>1/14/2026</a:t>
+              <a:t>1/18/2026</a:t>
             </a:fld>
             <a:endParaRPr lang="en-US"/>
           </a:p>
@@ -3880,7 +3880,7 @@
           <a:p>
             <a:fld id="{5BCAD085-E8A6-8845-BD4E-CB4CCA059FC4}" type="datetimeFigureOut">
               <a:rPr lang="en-US" smtClean="0"/>
-              <a:t>1/14/2026</a:t>
+              <a:t>1/18/2026</a:t>
             </a:fld>
             <a:endParaRPr lang="en-US"/>
           </a:p>
@@ -4091,7 +4091,7 @@
           <a:p>
             <a:fld id="{5BCAD085-E8A6-8845-BD4E-CB4CCA059FC4}" type="datetimeFigureOut">
               <a:rPr lang="en-US" smtClean="0"/>
-              <a:t>1/14/2026</a:t>
+              <a:t>1/18/2026</a:t>
             </a:fld>
             <a:endParaRPr lang="en-US"/>
           </a:p>
@@ -29406,7 +29406,7 @@
                   <a:schemeClr val="bg1"/>
                 </a:solidFill>
               </a:rPr>
-              <a:t>  Preview: Budget Constraints</a:t>
+              <a:t>  Preview: Preferences</a:t>
             </a:r>
           </a:p>
         </p:txBody>

--- a/files/teaching-resources/concordiacollege-busn-301/busn-301-lecture-note/busn301-ch02.pptx
+++ b/files/teaching-resources/concordiacollege-busn-301/busn-301-lecture-note/busn301-ch02.pptx
@@ -5,7 +5,7 @@
     <p:sldMasterId id="2147483648" r:id="rId1"/>
   </p:sldMasterIdLst>
   <p:notesMasterIdLst>
-    <p:notesMasterId r:id="rId43"/>
+    <p:notesMasterId r:id="rId44"/>
   </p:notesMasterIdLst>
   <p:sldIdLst>
     <p:sldId id="256" r:id="rId2"/>
@@ -46,9 +46,10 @@
     <p:sldId id="417" r:id="rId37"/>
     <p:sldId id="419" r:id="rId38"/>
     <p:sldId id="418" r:id="rId39"/>
-    <p:sldId id="420" r:id="rId40"/>
-    <p:sldId id="421" r:id="rId41"/>
-    <p:sldId id="422" r:id="rId42"/>
+    <p:sldId id="426" r:id="rId40"/>
+    <p:sldId id="420" r:id="rId41"/>
+    <p:sldId id="421" r:id="rId42"/>
+    <p:sldId id="422" r:id="rId43"/>
   </p:sldIdLst>
   <p:sldSz cx="12188825" cy="6858000"/>
   <p:notesSz cx="6858000" cy="9144000"/>
@@ -248,7 +249,7 @@
           <a:p>
             <a:fld id="{2D359EC7-19C7-4638-A61A-0E2B59861576}" type="datetimeFigureOut">
               <a:rPr lang="en-US" smtClean="0"/>
-              <a:t>1/18/2026</a:t>
+              <a:t>1/25/2026</a:t>
             </a:fld>
             <a:endParaRPr lang="en-US"/>
           </a:p>
@@ -1678,7 +1679,7 @@
           <a:p>
             <a:fld id="{5BCAD085-E8A6-8845-BD4E-CB4CCA059FC4}" type="datetimeFigureOut">
               <a:rPr lang="en-US" smtClean="0"/>
-              <a:t>1/18/2026</a:t>
+              <a:t>1/25/2026</a:t>
             </a:fld>
             <a:endParaRPr lang="en-US"/>
           </a:p>
@@ -1846,7 +1847,7 @@
           <a:p>
             <a:fld id="{5BCAD085-E8A6-8845-BD4E-CB4CCA059FC4}" type="datetimeFigureOut">
               <a:rPr lang="en-US" smtClean="0"/>
-              <a:t>1/18/2026</a:t>
+              <a:t>1/25/2026</a:t>
             </a:fld>
             <a:endParaRPr lang="en-US"/>
           </a:p>
@@ -2024,7 +2025,7 @@
           <a:p>
             <a:fld id="{5BCAD085-E8A6-8845-BD4E-CB4CCA059FC4}" type="datetimeFigureOut">
               <a:rPr lang="en-US" smtClean="0"/>
-              <a:t>1/18/2026</a:t>
+              <a:t>1/25/2026</a:t>
             </a:fld>
             <a:endParaRPr lang="en-US"/>
           </a:p>
@@ -2192,7 +2193,7 @@
           <a:p>
             <a:fld id="{5BCAD085-E8A6-8845-BD4E-CB4CCA059FC4}" type="datetimeFigureOut">
               <a:rPr lang="en-US" smtClean="0"/>
-              <a:t>1/18/2026</a:t>
+              <a:t>1/25/2026</a:t>
             </a:fld>
             <a:endParaRPr lang="en-US"/>
           </a:p>
@@ -2437,7 +2438,7 @@
           <a:p>
             <a:fld id="{5BCAD085-E8A6-8845-BD4E-CB4CCA059FC4}" type="datetimeFigureOut">
               <a:rPr lang="en-US" smtClean="0"/>
-              <a:t>1/18/2026</a:t>
+              <a:t>1/25/2026</a:t>
             </a:fld>
             <a:endParaRPr lang="en-US"/>
           </a:p>
@@ -2722,7 +2723,7 @@
           <a:p>
             <a:fld id="{5BCAD085-E8A6-8845-BD4E-CB4CCA059FC4}" type="datetimeFigureOut">
               <a:rPr lang="en-US" smtClean="0"/>
-              <a:t>1/18/2026</a:t>
+              <a:t>1/25/2026</a:t>
             </a:fld>
             <a:endParaRPr lang="en-US"/>
           </a:p>
@@ -3141,7 +3142,7 @@
           <a:p>
             <a:fld id="{5BCAD085-E8A6-8845-BD4E-CB4CCA059FC4}" type="datetimeFigureOut">
               <a:rPr lang="en-US" smtClean="0"/>
-              <a:t>1/18/2026</a:t>
+              <a:t>1/25/2026</a:t>
             </a:fld>
             <a:endParaRPr lang="en-US"/>
           </a:p>
@@ -3258,7 +3259,7 @@
           <a:p>
             <a:fld id="{5BCAD085-E8A6-8845-BD4E-CB4CCA059FC4}" type="datetimeFigureOut">
               <a:rPr lang="en-US" smtClean="0"/>
-              <a:t>1/18/2026</a:t>
+              <a:t>1/25/2026</a:t>
             </a:fld>
             <a:endParaRPr lang="en-US"/>
           </a:p>
@@ -3353,7 +3354,7 @@
           <a:p>
             <a:fld id="{5BCAD085-E8A6-8845-BD4E-CB4CCA059FC4}" type="datetimeFigureOut">
               <a:rPr lang="en-US" smtClean="0"/>
-              <a:t>1/18/2026</a:t>
+              <a:t>1/25/2026</a:t>
             </a:fld>
             <a:endParaRPr lang="en-US"/>
           </a:p>
@@ -3628,7 +3629,7 @@
           <a:p>
             <a:fld id="{5BCAD085-E8A6-8845-BD4E-CB4CCA059FC4}" type="datetimeFigureOut">
               <a:rPr lang="en-US" smtClean="0"/>
-              <a:t>1/18/2026</a:t>
+              <a:t>1/25/2026</a:t>
             </a:fld>
             <a:endParaRPr lang="en-US"/>
           </a:p>
@@ -3880,7 +3881,7 @@
           <a:p>
             <a:fld id="{5BCAD085-E8A6-8845-BD4E-CB4CCA059FC4}" type="datetimeFigureOut">
               <a:rPr lang="en-US" smtClean="0"/>
-              <a:t>1/18/2026</a:t>
+              <a:t>1/25/2026</a:t>
             </a:fld>
             <a:endParaRPr lang="en-US"/>
           </a:p>
@@ -4091,7 +4092,7 @@
           <a:p>
             <a:fld id="{5BCAD085-E8A6-8845-BD4E-CB4CCA059FC4}" type="datetimeFigureOut">
               <a:rPr lang="en-US" smtClean="0"/>
-              <a:t>1/18/2026</a:t>
+              <a:t>1/25/2026</a:t>
             </a:fld>
             <a:endParaRPr lang="en-US"/>
           </a:p>
@@ -21306,7 +21307,7 @@
                   <a:schemeClr val="bg1"/>
                 </a:solidFill>
               </a:rPr>
-              <a:t>Advanced Issues</a:t>
+              <a:t>Extensions and Advanced Issues</a:t>
             </a:r>
             <a:endParaRPr sz="4400" dirty="0">
               <a:solidFill>
@@ -27195,6 +27196,1758 @@
 <file path=ppt/slides/slide39.xml><?xml version="1.0" encoding="utf-8"?>
 <p:sld xmlns:a="http://schemas.openxmlformats.org/drawingml/2006/main" xmlns:r="http://schemas.openxmlformats.org/officeDocument/2006/relationships" xmlns:p="http://schemas.openxmlformats.org/presentationml/2006/main">
   <p:cSld>
+    <p:spTree>
+      <p:nvGrpSpPr>
+        <p:cNvPr id="1" name="">
+          <a:extLst>
+            <a:ext uri="{FF2B5EF4-FFF2-40B4-BE49-F238E27FC236}">
+              <a16:creationId xmlns:a16="http://schemas.microsoft.com/office/drawing/2014/main" id="{0A8ADB7B-87C8-AEDE-652D-6841D87EDCE3}"/>
+            </a:ext>
+          </a:extLst>
+        </p:cNvPr>
+        <p:cNvGrpSpPr/>
+        <p:nvPr/>
+      </p:nvGrpSpPr>
+      <p:grpSpPr>
+        <a:xfrm>
+          <a:off x="0" y="0"/>
+          <a:ext cx="0" cy="0"/>
+          <a:chOff x="0" y="0"/>
+          <a:chExt cx="0" cy="0"/>
+        </a:xfrm>
+      </p:grpSpPr>
+      <mc:AlternateContent xmlns:mc="http://schemas.openxmlformats.org/markup-compatibility/2006">
+        <mc:Choice xmlns:a14="http://schemas.microsoft.com/office/drawing/2010/main" Requires="a14">
+          <p:sp>
+            <p:nvSpPr>
+              <p:cNvPr id="3" name="Content Placeholder 2">
+                <a:extLst>
+                  <a:ext uri="{FF2B5EF4-FFF2-40B4-BE49-F238E27FC236}">
+                    <a16:creationId xmlns:a16="http://schemas.microsoft.com/office/drawing/2014/main" id="{11C1E130-5814-F87F-02C5-08B9BF046413}"/>
+                  </a:ext>
+                </a:extLst>
+              </p:cNvPr>
+              <p:cNvSpPr>
+                <a:spLocks noGrp="1"/>
+              </p:cNvSpPr>
+              <p:nvPr>
+                <p:ph idx="1"/>
+              </p:nvPr>
+            </p:nvSpPr>
+            <p:spPr>
+              <a:xfrm>
+                <a:off x="5029199" y="1300900"/>
+                <a:ext cx="6702427" cy="5081046"/>
+              </a:xfrm>
+            </p:spPr>
+            <p:txBody>
+              <a:bodyPr>
+                <a:normAutofit/>
+              </a:bodyPr>
+              <a:lstStyle/>
+              <a:p>
+                <a:pPr>
+                  <a:spcBef>
+                    <a:spcPts val="1000"/>
+                  </a:spcBef>
+                  <a:defRPr sz="2000">
+                    <a:solidFill>
+                      <a:srgbClr val="000000"/>
+                    </a:solidFill>
+                    <a:latin typeface="Garamond"/>
+                  </a:defRPr>
+                </a:pPr>
+                <a:r>
+                  <a:rPr lang="en-US" altLang="zh-TW" sz="2400" dirty="0"/>
+                  <a:t>For the sake of simplicity, we restrict attention to convex budget sets.</a:t>
+                </a:r>
+              </a:p>
+              <a:p>
+                <a:pPr lvl="3">
+                  <a:spcBef>
+                    <a:spcPts val="1000"/>
+                  </a:spcBef>
+                  <a:defRPr sz="2000">
+                    <a:solidFill>
+                      <a:srgbClr val="000000"/>
+                    </a:solidFill>
+                    <a:latin typeface="Garamond"/>
+                  </a:defRPr>
+                </a:pPr>
+                <a:endParaRPr lang="en-US" altLang="zh-TW" sz="1200" dirty="0"/>
+              </a:p>
+              <a:p>
+                <a:pPr>
+                  <a:spcBef>
+                    <a:spcPts val="1000"/>
+                  </a:spcBef>
+                  <a:defRPr sz="2000">
+                    <a:solidFill>
+                      <a:srgbClr val="000000"/>
+                    </a:solidFill>
+                    <a:latin typeface="Garamond"/>
+                  </a:defRPr>
+                </a:pPr>
+                <a:r>
+                  <a:rPr lang="en-US" altLang="zh-TW" sz="2400" dirty="0"/>
+                  <a:t>A set is non-convex if a straight line connecting two feasible bundles passes at least partly outside the feasible set.</a:t>
+                </a:r>
+              </a:p>
+              <a:p>
+                <a:pPr lvl="1">
+                  <a:spcBef>
+                    <a:spcPts val="1000"/>
+                  </a:spcBef>
+                  <a:defRPr sz="2000">
+                    <a:solidFill>
+                      <a:srgbClr val="000000"/>
+                    </a:solidFill>
+                    <a:latin typeface="Garamond"/>
+                  </a:defRPr>
+                </a:pPr>
+                <a:r>
+                  <a:rPr lang="en-US" altLang="zh-TW" sz="2000" dirty="0"/>
+                  <a:t>The figure on the left illustrates a non-convex budget set.</a:t>
+                </a:r>
+              </a:p>
+              <a:p>
+                <a:pPr lvl="1">
+                  <a:spcBef>
+                    <a:spcPts val="1000"/>
+                  </a:spcBef>
+                  <a:defRPr sz="2000">
+                    <a:solidFill>
+                      <a:srgbClr val="000000"/>
+                    </a:solidFill>
+                    <a:latin typeface="Garamond"/>
+                  </a:defRPr>
+                </a:pPr>
+                <a:r>
+                  <a:rPr lang="en-US" altLang="zh-TW" sz="2000" dirty="0"/>
+                  <a:t>By choosing bundles </a:t>
+                </a:r>
+                <a14:m>
+                  <m:oMath xmlns:m="http://schemas.openxmlformats.org/officeDocument/2006/math">
+                    <m:r>
+                      <a:rPr lang="en-US" altLang="zh-TW" sz="2000" i="1" dirty="0" smtClean="0">
+                        <a:latin typeface="Cambria Math" panose="02040503050406030204" pitchFamily="18" charset="0"/>
+                      </a:rPr>
+                      <m:t>𝐴</m:t>
+                    </m:r>
+                  </m:oMath>
+                </a14:m>
+                <a:r>
+                  <a:rPr lang="en-US" altLang="zh-TW" sz="2000" dirty="0"/>
+                  <a:t> and </a:t>
+                </a:r>
+                <a14:m>
+                  <m:oMath xmlns:m="http://schemas.openxmlformats.org/officeDocument/2006/math">
+                    <m:r>
+                      <a:rPr lang="en-US" altLang="zh-TW" sz="2000" i="1" dirty="0" smtClean="0">
+                        <a:latin typeface="Cambria Math" panose="02040503050406030204" pitchFamily="18" charset="0"/>
+                      </a:rPr>
+                      <m:t>𝐵</m:t>
+                    </m:r>
+                  </m:oMath>
+                </a14:m>
+                <a:r>
+                  <a:rPr lang="en-US" altLang="zh-TW" sz="2000" dirty="0"/>
+                  <a:t>, we can draw a straight line that connects them and identify bundle </a:t>
+                </a:r>
+                <a14:m>
+                  <m:oMath xmlns:m="http://schemas.openxmlformats.org/officeDocument/2006/math">
+                    <m:r>
+                      <a:rPr lang="en-US" altLang="zh-TW" sz="2000" i="1" dirty="0" smtClean="0">
+                        <a:latin typeface="Cambria Math" panose="02040503050406030204" pitchFamily="18" charset="0"/>
+                      </a:rPr>
+                      <m:t>𝐶</m:t>
+                    </m:r>
+                  </m:oMath>
+                </a14:m>
+                <a:r>
+                  <a:rPr lang="en-US" altLang="zh-TW" sz="2000" dirty="0"/>
+                  <a:t> along that line.</a:t>
+                </a:r>
+              </a:p>
+              <a:p>
+                <a:pPr lvl="3">
+                  <a:spcBef>
+                    <a:spcPts val="1000"/>
+                  </a:spcBef>
+                  <a:defRPr sz="2000">
+                    <a:solidFill>
+                      <a:srgbClr val="000000"/>
+                    </a:solidFill>
+                    <a:latin typeface="Garamond"/>
+                  </a:defRPr>
+                </a:pPr>
+                <a:endParaRPr lang="en-US" altLang="zh-TW" sz="1200" dirty="0"/>
+              </a:p>
+              <a:p>
+                <a:pPr>
+                  <a:spcBef>
+                    <a:spcPts val="1000"/>
+                  </a:spcBef>
+                  <a:defRPr sz="2000">
+                    <a:solidFill>
+                      <a:srgbClr val="000000"/>
+                    </a:solidFill>
+                    <a:latin typeface="Garamond"/>
+                  </a:defRPr>
+                </a:pPr>
+                <a:r>
+                  <a:rPr lang="en-US" altLang="zh-TW" sz="2400" dirty="0"/>
+                  <a:t>In later lectures, we will see why non-convex sets complicate consumer choice and optimization.</a:t>
+                </a:r>
+              </a:p>
+            </p:txBody>
+          </p:sp>
+        </mc:Choice>
+        <mc:Fallback>
+          <p:sp>
+            <p:nvSpPr>
+              <p:cNvPr id="3" name="Content Placeholder 2">
+                <a:extLst>
+                  <a:ext uri="{FF2B5EF4-FFF2-40B4-BE49-F238E27FC236}">
+                    <a16:creationId xmlns:a16="http://schemas.microsoft.com/office/drawing/2014/main" id="{11C1E130-5814-F87F-02C5-08B9BF046413}"/>
+                  </a:ext>
+                </a:extLst>
+              </p:cNvPr>
+              <p:cNvSpPr>
+                <a:spLocks noGrp="1" noRot="1" noChangeAspect="1" noMove="1" noResize="1" noEditPoints="1" noAdjustHandles="1" noChangeArrowheads="1" noChangeShapeType="1" noTextEdit="1"/>
+              </p:cNvSpPr>
+              <p:nvPr>
+                <p:ph idx="1"/>
+              </p:nvPr>
+            </p:nvSpPr>
+            <p:spPr>
+              <a:xfrm>
+                <a:off x="5029199" y="1300900"/>
+                <a:ext cx="6702427" cy="5081046"/>
+              </a:xfrm>
+              <a:blipFill>
+                <a:blip r:embed="rId2"/>
+                <a:stretch>
+                  <a:fillRect l="-1183" t="-959" r="-2457"/>
+                </a:stretch>
+              </a:blipFill>
+            </p:spPr>
+            <p:txBody>
+              <a:bodyPr/>
+              <a:lstStyle/>
+              <a:p>
+                <a:r>
+                  <a:rPr lang="en-US">
+                    <a:noFill/>
+                  </a:rPr>
+                  <a:t> </a:t>
+                </a:r>
+              </a:p>
+            </p:txBody>
+          </p:sp>
+        </mc:Fallback>
+      </mc:AlternateContent>
+      <p:sp>
+        <p:nvSpPr>
+          <p:cNvPr id="4" name="Rectangle 3">
+            <a:extLst>
+              <a:ext uri="{FF2B5EF4-FFF2-40B4-BE49-F238E27FC236}">
+                <a16:creationId xmlns:a16="http://schemas.microsoft.com/office/drawing/2014/main" id="{9716414D-5A65-9E1A-9F12-B53EE693C39A}"/>
+              </a:ext>
+            </a:extLst>
+          </p:cNvPr>
+          <p:cNvSpPr/>
+          <p:nvPr/>
+        </p:nvSpPr>
+        <p:spPr>
+          <a:xfrm>
+            <a:off x="0" y="0"/>
+            <a:ext cx="12188825" cy="923636"/>
+          </a:xfrm>
+          <a:prstGeom prst="rect">
+            <a:avLst/>
+          </a:prstGeom>
+          <a:solidFill>
+            <a:srgbClr val="77122C"/>
+          </a:solidFill>
+        </p:spPr>
+        <p:style>
+          <a:lnRef idx="1">
+            <a:schemeClr val="accent1"/>
+          </a:lnRef>
+          <a:fillRef idx="3">
+            <a:schemeClr val="accent1"/>
+          </a:fillRef>
+          <a:effectRef idx="2">
+            <a:schemeClr val="accent1"/>
+          </a:effectRef>
+          <a:fontRef idx="minor">
+            <a:schemeClr val="lt1"/>
+          </a:fontRef>
+        </p:style>
+        <p:txBody>
+          <a:bodyPr rtlCol="0" anchor="ctr"/>
+          <a:lstStyle/>
+          <a:p>
+            <a:pPr algn="ctr"/>
+            <a:endParaRPr lang="en-US"/>
+          </a:p>
+        </p:txBody>
+      </p:sp>
+      <p:sp>
+        <p:nvSpPr>
+          <p:cNvPr id="2" name="Title 1">
+            <a:extLst>
+              <a:ext uri="{FF2B5EF4-FFF2-40B4-BE49-F238E27FC236}">
+                <a16:creationId xmlns:a16="http://schemas.microsoft.com/office/drawing/2014/main" id="{6EC31247-61BA-9394-5361-24CA4EC74DB1}"/>
+              </a:ext>
+            </a:extLst>
+          </p:cNvPr>
+          <p:cNvSpPr>
+            <a:spLocks noGrp="1"/>
+          </p:cNvSpPr>
+          <p:nvPr>
+            <p:ph type="title"/>
+          </p:nvPr>
+        </p:nvSpPr>
+        <p:spPr>
+          <a:xfrm>
+            <a:off x="0" y="0"/>
+            <a:ext cx="12188825" cy="923636"/>
+          </a:xfrm>
+        </p:spPr>
+        <p:txBody>
+          <a:bodyPr>
+            <a:normAutofit/>
+          </a:bodyPr>
+          <a:lstStyle/>
+          <a:p>
+            <a:pPr algn="l">
+              <a:defRPr sz="4000" b="1">
+                <a:solidFill>
+                  <a:srgbClr val="FDB913"/>
+                </a:solidFill>
+                <a:latin typeface="Garamond"/>
+              </a:defRPr>
+            </a:pPr>
+            <a:r>
+              <a:rPr lang="en-US" sz="4000" dirty="0">
+                <a:solidFill>
+                  <a:schemeClr val="bg1"/>
+                </a:solidFill>
+              </a:rPr>
+              <a:t>  Advanced: Convex Budget Sets</a:t>
+            </a:r>
+          </a:p>
+        </p:txBody>
+      </p:sp>
+      <p:sp>
+        <p:nvSpPr>
+          <p:cNvPr id="5" name="Rectangle 4">
+            <a:extLst>
+              <a:ext uri="{FF2B5EF4-FFF2-40B4-BE49-F238E27FC236}">
+                <a16:creationId xmlns:a16="http://schemas.microsoft.com/office/drawing/2014/main" id="{110B370F-45BD-4A75-BED8-516C241D909D}"/>
+              </a:ext>
+            </a:extLst>
+          </p:cNvPr>
+          <p:cNvSpPr/>
+          <p:nvPr/>
+        </p:nvSpPr>
+        <p:spPr>
+          <a:xfrm>
+            <a:off x="-1" y="6503428"/>
+            <a:ext cx="12188825" cy="354572"/>
+          </a:xfrm>
+          <a:prstGeom prst="rect">
+            <a:avLst/>
+          </a:prstGeom>
+          <a:solidFill>
+            <a:srgbClr val="77122C"/>
+          </a:solidFill>
+        </p:spPr>
+        <p:style>
+          <a:lnRef idx="1">
+            <a:schemeClr val="accent1"/>
+          </a:lnRef>
+          <a:fillRef idx="3">
+            <a:schemeClr val="accent1"/>
+          </a:fillRef>
+          <a:effectRef idx="2">
+            <a:schemeClr val="accent1"/>
+          </a:effectRef>
+          <a:fontRef idx="minor">
+            <a:schemeClr val="lt1"/>
+          </a:fontRef>
+        </p:style>
+        <p:txBody>
+          <a:bodyPr rtlCol="0" anchor="ctr"/>
+          <a:lstStyle/>
+          <a:p>
+            <a:pPr algn="ctr"/>
+            <a:endParaRPr lang="en-US"/>
+          </a:p>
+        </p:txBody>
+      </p:sp>
+      <p:sp>
+        <p:nvSpPr>
+          <p:cNvPr id="6" name="Footer Placeholder 5">
+            <a:extLst>
+              <a:ext uri="{FF2B5EF4-FFF2-40B4-BE49-F238E27FC236}">
+                <a16:creationId xmlns:a16="http://schemas.microsoft.com/office/drawing/2014/main" id="{8BFEDF23-7AB2-49B7-F012-695228253BD9}"/>
+              </a:ext>
+            </a:extLst>
+          </p:cNvPr>
+          <p:cNvSpPr>
+            <a:spLocks noGrp="1"/>
+          </p:cNvSpPr>
+          <p:nvPr>
+            <p:ph type="ftr" sz="quarter" idx="11"/>
+          </p:nvPr>
+        </p:nvSpPr>
+        <p:spPr>
+          <a:xfrm>
+            <a:off x="-1" y="6503428"/>
+            <a:ext cx="2895600" cy="354572"/>
+          </a:xfrm>
+        </p:spPr>
+        <p:txBody>
+          <a:bodyPr/>
+          <a:lstStyle/>
+          <a:p>
+            <a:pPr algn="l"/>
+            <a:r>
+              <a:rPr lang="en-US" dirty="0">
+                <a:solidFill>
+                  <a:schemeClr val="bg1"/>
+                </a:solidFill>
+                <a:latin typeface="Garamond" panose="02020404030301010803" pitchFamily="18" charset="0"/>
+              </a:rPr>
+              <a:t> Principles of Global Economics</a:t>
+            </a:r>
+          </a:p>
+        </p:txBody>
+      </p:sp>
+      <p:sp>
+        <p:nvSpPr>
+          <p:cNvPr id="7" name="Slide Number Placeholder 6">
+            <a:extLst>
+              <a:ext uri="{FF2B5EF4-FFF2-40B4-BE49-F238E27FC236}">
+                <a16:creationId xmlns:a16="http://schemas.microsoft.com/office/drawing/2014/main" id="{908AB706-D81A-6507-4957-531A26A5B534}"/>
+              </a:ext>
+            </a:extLst>
+          </p:cNvPr>
+          <p:cNvSpPr>
+            <a:spLocks noGrp="1"/>
+          </p:cNvSpPr>
+          <p:nvPr>
+            <p:ph type="sldNum" sz="quarter" idx="12"/>
+          </p:nvPr>
+        </p:nvSpPr>
+        <p:spPr>
+          <a:xfrm>
+            <a:off x="10055225" y="6503428"/>
+            <a:ext cx="2133600" cy="354572"/>
+          </a:xfrm>
+        </p:spPr>
+        <p:txBody>
+          <a:bodyPr/>
+          <a:lstStyle/>
+          <a:p>
+            <a:fld id="{C1FF6DA9-008F-8B48-92A6-B652298478BF}" type="slidenum">
+              <a:rPr lang="en-US" b="1" smtClean="0">
+                <a:solidFill>
+                  <a:schemeClr val="bg1"/>
+                </a:solidFill>
+                <a:latin typeface="Garamond" panose="02020404030301010803" pitchFamily="18" charset="0"/>
+              </a:rPr>
+              <a:t>39</a:t>
+            </a:fld>
+            <a:r>
+              <a:rPr lang="en-US" b="1" dirty="0">
+                <a:solidFill>
+                  <a:schemeClr val="bg1"/>
+                </a:solidFill>
+                <a:latin typeface="Garamond" panose="02020404030301010803" pitchFamily="18" charset="0"/>
+              </a:rPr>
+              <a:t> </a:t>
+            </a:r>
+          </a:p>
+        </p:txBody>
+      </p:sp>
+      <p:pic>
+        <p:nvPicPr>
+          <p:cNvPr id="10" name="Picture 9">
+            <a:extLst>
+              <a:ext uri="{FF2B5EF4-FFF2-40B4-BE49-F238E27FC236}">
+                <a16:creationId xmlns:a16="http://schemas.microsoft.com/office/drawing/2014/main" id="{4F0FB96A-F736-9EB8-F277-7847EEB5E04C}"/>
+              </a:ext>
+            </a:extLst>
+          </p:cNvPr>
+          <p:cNvPicPr>
+            <a:picLocks noChangeAspect="1"/>
+          </p:cNvPicPr>
+          <p:nvPr/>
+        </p:nvPicPr>
+        <p:blipFill>
+          <a:blip r:embed="rId3"/>
+          <a:srcRect/>
+          <a:stretch/>
+        </p:blipFill>
+        <p:spPr>
+          <a:xfrm>
+            <a:off x="457199" y="1427532"/>
+            <a:ext cx="4572000" cy="4572000"/>
+          </a:xfrm>
+          <a:prstGeom prst="rect">
+            <a:avLst/>
+          </a:prstGeom>
+        </p:spPr>
+      </p:pic>
+      <p:pic>
+        <p:nvPicPr>
+          <p:cNvPr id="9" name="Picture 8">
+            <a:extLst>
+              <a:ext uri="{FF2B5EF4-FFF2-40B4-BE49-F238E27FC236}">
+                <a16:creationId xmlns:a16="http://schemas.microsoft.com/office/drawing/2014/main" id="{4619C176-1CC1-156B-522E-79D0DB6E8963}"/>
+              </a:ext>
+            </a:extLst>
+          </p:cNvPr>
+          <p:cNvPicPr>
+            <a:picLocks noChangeAspect="1"/>
+          </p:cNvPicPr>
+          <p:nvPr/>
+        </p:nvPicPr>
+        <p:blipFill>
+          <a:blip r:embed="rId4"/>
+          <a:srcRect/>
+          <a:stretch/>
+        </p:blipFill>
+        <p:spPr>
+          <a:xfrm>
+            <a:off x="457199" y="1427532"/>
+            <a:ext cx="4572000" cy="4572000"/>
+          </a:xfrm>
+          <a:prstGeom prst="rect">
+            <a:avLst/>
+          </a:prstGeom>
+        </p:spPr>
+      </p:pic>
+      <p:pic>
+        <p:nvPicPr>
+          <p:cNvPr id="12" name="Picture 11">
+            <a:extLst>
+              <a:ext uri="{FF2B5EF4-FFF2-40B4-BE49-F238E27FC236}">
+                <a16:creationId xmlns:a16="http://schemas.microsoft.com/office/drawing/2014/main" id="{4E25720C-E0E7-7B93-0E79-29243CD8BA28}"/>
+              </a:ext>
+            </a:extLst>
+          </p:cNvPr>
+          <p:cNvPicPr>
+            <a:picLocks noChangeAspect="1"/>
+          </p:cNvPicPr>
+          <p:nvPr/>
+        </p:nvPicPr>
+        <p:blipFill>
+          <a:blip r:embed="rId5"/>
+          <a:srcRect/>
+          <a:stretch/>
+        </p:blipFill>
+        <p:spPr>
+          <a:xfrm>
+            <a:off x="457199" y="1427532"/>
+            <a:ext cx="4572000" cy="4572000"/>
+          </a:xfrm>
+          <a:prstGeom prst="rect">
+            <a:avLst/>
+          </a:prstGeom>
+        </p:spPr>
+      </p:pic>
+    </p:spTree>
+    <p:extLst>
+      <p:ext uri="{BB962C8B-B14F-4D97-AF65-F5344CB8AC3E}">
+        <p14:creationId xmlns:p14="http://schemas.microsoft.com/office/powerpoint/2010/main" val="3923715406"/>
+      </p:ext>
+    </p:extLst>
+  </p:cSld>
+  <p:clrMapOvr>
+    <a:masterClrMapping/>
+  </p:clrMapOvr>
+  <p:timing>
+    <p:tnLst>
+      <p:par>
+        <p:cTn id="1" dur="indefinite" restart="never" nodeType="tmRoot">
+          <p:childTnLst>
+            <p:seq concurrent="1" nextAc="seek">
+              <p:cTn id="2" dur="indefinite" nodeType="mainSeq">
+                <p:childTnLst>
+                  <p:par>
+                    <p:cTn id="3" fill="hold">
+                      <p:stCondLst>
+                        <p:cond delay="indefinite"/>
+                        <p:cond evt="onBegin" delay="0">
+                          <p:tn val="2"/>
+                        </p:cond>
+                      </p:stCondLst>
+                      <p:childTnLst>
+                        <p:par>
+                          <p:cTn id="4" fill="hold">
+                            <p:stCondLst>
+                              <p:cond delay="0"/>
+                            </p:stCondLst>
+                            <p:childTnLst>
+                              <p:par>
+                                <p:cTn id="5" presetID="10" presetClass="entr" presetSubtype="0" fill="hold" nodeType="withEffect">
+                                  <p:stCondLst>
+                                    <p:cond delay="0"/>
+                                  </p:stCondLst>
+                                  <p:childTnLst>
+                                    <p:set>
+                                      <p:cBhvr>
+                                        <p:cTn id="6" dur="1" fill="hold">
+                                          <p:stCondLst>
+                                            <p:cond delay="0"/>
+                                          </p:stCondLst>
+                                        </p:cTn>
+                                        <p:tgtEl>
+                                          <p:spTgt spid="3">
+                                            <p:txEl>
+                                              <p:pRg st="0" end="0"/>
+                                            </p:txEl>
+                                          </p:spTgt>
+                                        </p:tgtEl>
+                                        <p:attrNameLst>
+                                          <p:attrName>style.visibility</p:attrName>
+                                        </p:attrNameLst>
+                                      </p:cBhvr>
+                                      <p:to>
+                                        <p:strVal val="visible"/>
+                                      </p:to>
+                                    </p:set>
+                                    <p:animEffect transition="in" filter="fade">
+                                      <p:cBhvr>
+                                        <p:cTn id="7" dur="500"/>
+                                        <p:tgtEl>
+                                          <p:spTgt spid="3">
+                                            <p:txEl>
+                                              <p:pRg st="0" end="0"/>
+                                            </p:txEl>
+                                          </p:spTgt>
+                                        </p:tgtEl>
+                                      </p:cBhvr>
+                                    </p:animEffect>
+                                  </p:childTnLst>
+                                </p:cTn>
+                              </p:par>
+                              <p:par>
+                                <p:cTn id="8" presetID="10" presetClass="entr" presetSubtype="0" fill="hold" nodeType="withEffect">
+                                  <p:stCondLst>
+                                    <p:cond delay="0"/>
+                                  </p:stCondLst>
+                                  <p:childTnLst>
+                                    <p:set>
+                                      <p:cBhvr>
+                                        <p:cTn id="9" dur="1" fill="hold">
+                                          <p:stCondLst>
+                                            <p:cond delay="0"/>
+                                          </p:stCondLst>
+                                        </p:cTn>
+                                        <p:tgtEl>
+                                          <p:spTgt spid="9"/>
+                                        </p:tgtEl>
+                                        <p:attrNameLst>
+                                          <p:attrName>style.visibility</p:attrName>
+                                        </p:attrNameLst>
+                                      </p:cBhvr>
+                                      <p:to>
+                                        <p:strVal val="visible"/>
+                                      </p:to>
+                                    </p:set>
+                                    <p:animEffect transition="in" filter="fade">
+                                      <p:cBhvr>
+                                        <p:cTn id="10" dur="500"/>
+                                        <p:tgtEl>
+                                          <p:spTgt spid="9"/>
+                                        </p:tgtEl>
+                                      </p:cBhvr>
+                                    </p:animEffect>
+                                  </p:childTnLst>
+                                </p:cTn>
+                              </p:par>
+                            </p:childTnLst>
+                          </p:cTn>
+                        </p:par>
+                      </p:childTnLst>
+                    </p:cTn>
+                  </p:par>
+                  <p:par>
+                    <p:cTn id="11" fill="hold">
+                      <p:stCondLst>
+                        <p:cond delay="indefinite"/>
+                      </p:stCondLst>
+                      <p:childTnLst>
+                        <p:par>
+                          <p:cTn id="12" fill="hold">
+                            <p:stCondLst>
+                              <p:cond delay="0"/>
+                            </p:stCondLst>
+                            <p:childTnLst>
+                              <p:par>
+                                <p:cTn id="13" presetID="10" presetClass="entr" presetSubtype="0" fill="hold" nodeType="clickEffect">
+                                  <p:stCondLst>
+                                    <p:cond delay="0"/>
+                                  </p:stCondLst>
+                                  <p:childTnLst>
+                                    <p:set>
+                                      <p:cBhvr>
+                                        <p:cTn id="14" dur="1" fill="hold">
+                                          <p:stCondLst>
+                                            <p:cond delay="0"/>
+                                          </p:stCondLst>
+                                        </p:cTn>
+                                        <p:tgtEl>
+                                          <p:spTgt spid="3">
+                                            <p:txEl>
+                                              <p:pRg st="2" end="2"/>
+                                            </p:txEl>
+                                          </p:spTgt>
+                                        </p:tgtEl>
+                                        <p:attrNameLst>
+                                          <p:attrName>style.visibility</p:attrName>
+                                        </p:attrNameLst>
+                                      </p:cBhvr>
+                                      <p:to>
+                                        <p:strVal val="visible"/>
+                                      </p:to>
+                                    </p:set>
+                                    <p:animEffect transition="in" filter="fade">
+                                      <p:cBhvr>
+                                        <p:cTn id="15" dur="500"/>
+                                        <p:tgtEl>
+                                          <p:spTgt spid="3">
+                                            <p:txEl>
+                                              <p:pRg st="2" end="2"/>
+                                            </p:txEl>
+                                          </p:spTgt>
+                                        </p:tgtEl>
+                                      </p:cBhvr>
+                                    </p:animEffect>
+                                  </p:childTnLst>
+                                </p:cTn>
+                              </p:par>
+                              <p:par>
+                                <p:cTn id="16" presetID="10" presetClass="entr" presetSubtype="0" fill="hold" nodeType="withEffect">
+                                  <p:stCondLst>
+                                    <p:cond delay="0"/>
+                                  </p:stCondLst>
+                                  <p:childTnLst>
+                                    <p:set>
+                                      <p:cBhvr>
+                                        <p:cTn id="17" dur="1" fill="hold">
+                                          <p:stCondLst>
+                                            <p:cond delay="0"/>
+                                          </p:stCondLst>
+                                        </p:cTn>
+                                        <p:tgtEl>
+                                          <p:spTgt spid="3">
+                                            <p:txEl>
+                                              <p:pRg st="3" end="3"/>
+                                            </p:txEl>
+                                          </p:spTgt>
+                                        </p:tgtEl>
+                                        <p:attrNameLst>
+                                          <p:attrName>style.visibility</p:attrName>
+                                        </p:attrNameLst>
+                                      </p:cBhvr>
+                                      <p:to>
+                                        <p:strVal val="visible"/>
+                                      </p:to>
+                                    </p:set>
+                                    <p:animEffect transition="in" filter="fade">
+                                      <p:cBhvr>
+                                        <p:cTn id="18" dur="500"/>
+                                        <p:tgtEl>
+                                          <p:spTgt spid="3">
+                                            <p:txEl>
+                                              <p:pRg st="3" end="3"/>
+                                            </p:txEl>
+                                          </p:spTgt>
+                                        </p:tgtEl>
+                                      </p:cBhvr>
+                                    </p:animEffect>
+                                  </p:childTnLst>
+                                </p:cTn>
+                              </p:par>
+                              <p:par>
+                                <p:cTn id="19" presetID="10" presetClass="entr" presetSubtype="0" fill="hold" nodeType="withEffect">
+                                  <p:stCondLst>
+                                    <p:cond delay="0"/>
+                                  </p:stCondLst>
+                                  <p:childTnLst>
+                                    <p:set>
+                                      <p:cBhvr>
+                                        <p:cTn id="20" dur="1" fill="hold">
+                                          <p:stCondLst>
+                                            <p:cond delay="0"/>
+                                          </p:stCondLst>
+                                        </p:cTn>
+                                        <p:tgtEl>
+                                          <p:spTgt spid="3">
+                                            <p:txEl>
+                                              <p:pRg st="4" end="4"/>
+                                            </p:txEl>
+                                          </p:spTgt>
+                                        </p:tgtEl>
+                                        <p:attrNameLst>
+                                          <p:attrName>style.visibility</p:attrName>
+                                        </p:attrNameLst>
+                                      </p:cBhvr>
+                                      <p:to>
+                                        <p:strVal val="visible"/>
+                                      </p:to>
+                                    </p:set>
+                                    <p:animEffect transition="in" filter="fade">
+                                      <p:cBhvr>
+                                        <p:cTn id="21" dur="500"/>
+                                        <p:tgtEl>
+                                          <p:spTgt spid="3">
+                                            <p:txEl>
+                                              <p:pRg st="4" end="4"/>
+                                            </p:txEl>
+                                          </p:spTgt>
+                                        </p:tgtEl>
+                                      </p:cBhvr>
+                                    </p:animEffect>
+                                  </p:childTnLst>
+                                </p:cTn>
+                              </p:par>
+                              <p:par>
+                                <p:cTn id="22" presetID="10" presetClass="entr" presetSubtype="0" fill="hold" nodeType="withEffect">
+                                  <p:stCondLst>
+                                    <p:cond delay="0"/>
+                                  </p:stCondLst>
+                                  <p:childTnLst>
+                                    <p:set>
+                                      <p:cBhvr>
+                                        <p:cTn id="23" dur="1" fill="hold">
+                                          <p:stCondLst>
+                                            <p:cond delay="0"/>
+                                          </p:stCondLst>
+                                        </p:cTn>
+                                        <p:tgtEl>
+                                          <p:spTgt spid="12"/>
+                                        </p:tgtEl>
+                                        <p:attrNameLst>
+                                          <p:attrName>style.visibility</p:attrName>
+                                        </p:attrNameLst>
+                                      </p:cBhvr>
+                                      <p:to>
+                                        <p:strVal val="visible"/>
+                                      </p:to>
+                                    </p:set>
+                                    <p:animEffect transition="in" filter="fade">
+                                      <p:cBhvr>
+                                        <p:cTn id="24" dur="500"/>
+                                        <p:tgtEl>
+                                          <p:spTgt spid="12"/>
+                                        </p:tgtEl>
+                                      </p:cBhvr>
+                                    </p:animEffect>
+                                  </p:childTnLst>
+                                </p:cTn>
+                              </p:par>
+                            </p:childTnLst>
+                          </p:cTn>
+                        </p:par>
+                      </p:childTnLst>
+                    </p:cTn>
+                  </p:par>
+                  <p:par>
+                    <p:cTn id="25" fill="hold">
+                      <p:stCondLst>
+                        <p:cond delay="indefinite"/>
+                      </p:stCondLst>
+                      <p:childTnLst>
+                        <p:par>
+                          <p:cTn id="26" fill="hold">
+                            <p:stCondLst>
+                              <p:cond delay="0"/>
+                            </p:stCondLst>
+                            <p:childTnLst>
+                              <p:par>
+                                <p:cTn id="27" presetID="10" presetClass="entr" presetSubtype="0" fill="hold" nodeType="clickEffect">
+                                  <p:stCondLst>
+                                    <p:cond delay="0"/>
+                                  </p:stCondLst>
+                                  <p:childTnLst>
+                                    <p:set>
+                                      <p:cBhvr>
+                                        <p:cTn id="28" dur="1" fill="hold">
+                                          <p:stCondLst>
+                                            <p:cond delay="0"/>
+                                          </p:stCondLst>
+                                        </p:cTn>
+                                        <p:tgtEl>
+                                          <p:spTgt spid="3">
+                                            <p:txEl>
+                                              <p:pRg st="6" end="6"/>
+                                            </p:txEl>
+                                          </p:spTgt>
+                                        </p:tgtEl>
+                                        <p:attrNameLst>
+                                          <p:attrName>style.visibility</p:attrName>
+                                        </p:attrNameLst>
+                                      </p:cBhvr>
+                                      <p:to>
+                                        <p:strVal val="visible"/>
+                                      </p:to>
+                                    </p:set>
+                                    <p:animEffect transition="in" filter="fade">
+                                      <p:cBhvr>
+                                        <p:cTn id="29" dur="500"/>
+                                        <p:tgtEl>
+                                          <p:spTgt spid="3">
+                                            <p:txEl>
+                                              <p:pRg st="6" end="6"/>
+                                            </p:txEl>
+                                          </p:spTgt>
+                                        </p:tgtEl>
+                                      </p:cBhvr>
+                                    </p:animEffect>
+                                  </p:childTnLst>
+                                </p:cTn>
+                              </p:par>
+                            </p:childTnLst>
+                          </p:cTn>
+                        </p:par>
+                      </p:childTnLst>
+                    </p:cTn>
+                  </p:par>
+                </p:childTnLst>
+              </p:cTn>
+              <p:prevCondLst>
+                <p:cond evt="onPrev" delay="0">
+                  <p:tgtEl>
+                    <p:sldTgt/>
+                  </p:tgtEl>
+                </p:cond>
+              </p:prevCondLst>
+              <p:nextCondLst>
+                <p:cond evt="onNext" delay="0">
+                  <p:tgtEl>
+                    <p:sldTgt/>
+                  </p:tgtEl>
+                </p:cond>
+              </p:nextCondLst>
+            </p:seq>
+          </p:childTnLst>
+        </p:cTn>
+      </p:par>
+    </p:tnLst>
+  </p:timing>
+</p:sld>
+</file>
+
+<file path=ppt/slides/slide4.xml><?xml version="1.0" encoding="utf-8"?>
+<p:sld xmlns:a="http://schemas.openxmlformats.org/drawingml/2006/main" xmlns:r="http://schemas.openxmlformats.org/officeDocument/2006/relationships" xmlns:p="http://schemas.openxmlformats.org/presentationml/2006/main">
+  <p:cSld>
+    <p:spTree>
+      <p:nvGrpSpPr>
+        <p:cNvPr id="1" name="">
+          <a:extLst>
+            <a:ext uri="{FF2B5EF4-FFF2-40B4-BE49-F238E27FC236}">
+              <a16:creationId xmlns:a16="http://schemas.microsoft.com/office/drawing/2014/main" id="{D27AEFF2-F746-BD8D-D2B8-1FC132FDB0F0}"/>
+            </a:ext>
+          </a:extLst>
+        </p:cNvPr>
+        <p:cNvGrpSpPr/>
+        <p:nvPr/>
+      </p:nvGrpSpPr>
+      <p:grpSpPr>
+        <a:xfrm>
+          <a:off x="0" y="0"/>
+          <a:ext cx="0" cy="0"/>
+          <a:chOff x="0" y="0"/>
+          <a:chExt cx="0" cy="0"/>
+        </a:xfrm>
+      </p:grpSpPr>
+      <p:sp>
+        <p:nvSpPr>
+          <p:cNvPr id="3" name="Content Placeholder 2">
+            <a:extLst>
+              <a:ext uri="{FF2B5EF4-FFF2-40B4-BE49-F238E27FC236}">
+                <a16:creationId xmlns:a16="http://schemas.microsoft.com/office/drawing/2014/main" id="{79210A33-223B-9471-CB72-FE8056A1841A}"/>
+              </a:ext>
+            </a:extLst>
+          </p:cNvPr>
+          <p:cNvSpPr>
+            <a:spLocks noGrp="1"/>
+          </p:cNvSpPr>
+          <p:nvPr>
+            <p:ph idx="1"/>
+          </p:nvPr>
+        </p:nvSpPr>
+        <p:spPr>
+          <a:xfrm>
+            <a:off x="457199" y="1300900"/>
+            <a:ext cx="11189855" cy="5081046"/>
+          </a:xfrm>
+        </p:spPr>
+        <p:txBody>
+          <a:bodyPr>
+            <a:normAutofit/>
+          </a:bodyPr>
+          <a:lstStyle/>
+          <a:p>
+            <a:pPr>
+              <a:spcBef>
+                <a:spcPts val="1000"/>
+              </a:spcBef>
+              <a:defRPr sz="2000">
+                <a:solidFill>
+                  <a:srgbClr val="000000"/>
+                </a:solidFill>
+                <a:latin typeface="Garamond"/>
+              </a:defRPr>
+            </a:pPr>
+            <a:r>
+              <a:rPr lang="en-US" altLang="zh-TW" sz="2400" dirty="0"/>
+              <a:t>We can consume any bundle of goods and services, as long as we can afford it.</a:t>
+            </a:r>
+          </a:p>
+          <a:p>
+            <a:pPr lvl="3">
+              <a:spcBef>
+                <a:spcPts val="1000"/>
+              </a:spcBef>
+              <a:defRPr sz="2000">
+                <a:solidFill>
+                  <a:srgbClr val="000000"/>
+                </a:solidFill>
+                <a:latin typeface="Garamond"/>
+              </a:defRPr>
+            </a:pPr>
+            <a:endParaRPr lang="en-US" altLang="zh-TW" sz="1200" dirty="0"/>
+          </a:p>
+          <a:p>
+            <a:pPr>
+              <a:spcBef>
+                <a:spcPts val="1000"/>
+              </a:spcBef>
+              <a:defRPr sz="2000">
+                <a:solidFill>
+                  <a:srgbClr val="000000"/>
+                </a:solidFill>
+                <a:latin typeface="Garamond"/>
+              </a:defRPr>
+            </a:pPr>
+            <a:r>
+              <a:rPr lang="en-US" altLang="zh-TW" sz="2400" dirty="0"/>
+              <a:t>How can we formalize this idea to examine the consumer’s choice?</a:t>
+            </a:r>
+          </a:p>
+          <a:p>
+            <a:pPr lvl="1">
+              <a:spcBef>
+                <a:spcPts val="1000"/>
+              </a:spcBef>
+              <a:defRPr sz="2000">
+                <a:solidFill>
+                  <a:srgbClr val="000000"/>
+                </a:solidFill>
+                <a:latin typeface="Garamond"/>
+              </a:defRPr>
+            </a:pPr>
+            <a:r>
+              <a:rPr lang="en-US" altLang="zh-TW" sz="2000" dirty="0"/>
+              <a:t>How can we express the statement above in a graph?</a:t>
+            </a:r>
+          </a:p>
+          <a:p>
+            <a:pPr lvl="1">
+              <a:spcBef>
+                <a:spcPts val="1000"/>
+              </a:spcBef>
+              <a:defRPr sz="2000">
+                <a:solidFill>
+                  <a:srgbClr val="000000"/>
+                </a:solidFill>
+                <a:latin typeface="Garamond"/>
+              </a:defRPr>
+            </a:pPr>
+            <a:r>
+              <a:rPr lang="en-US" altLang="zh-TW" sz="2000" dirty="0"/>
+              <a:t>How can we translate these words into math?</a:t>
+            </a:r>
+          </a:p>
+          <a:p>
+            <a:pPr lvl="4">
+              <a:spcBef>
+                <a:spcPts val="1000"/>
+              </a:spcBef>
+              <a:defRPr sz="2000">
+                <a:solidFill>
+                  <a:srgbClr val="000000"/>
+                </a:solidFill>
+                <a:latin typeface="Garamond"/>
+              </a:defRPr>
+            </a:pPr>
+            <a:endParaRPr lang="en-US" altLang="zh-TW" sz="1200" dirty="0"/>
+          </a:p>
+          <a:p>
+            <a:pPr>
+              <a:spcBef>
+                <a:spcPts val="1000"/>
+              </a:spcBef>
+              <a:defRPr sz="2000">
+                <a:solidFill>
+                  <a:srgbClr val="000000"/>
+                </a:solidFill>
+                <a:latin typeface="Garamond"/>
+              </a:defRPr>
+            </a:pPr>
+            <a:r>
+              <a:rPr lang="en-US" altLang="zh-TW" sz="2400" dirty="0"/>
+              <a:t>To make the idea of affordability precise, we need a simple economic environment.</a:t>
+            </a:r>
+          </a:p>
+          <a:p>
+            <a:pPr lvl="4">
+              <a:spcBef>
+                <a:spcPts val="1000"/>
+              </a:spcBef>
+              <a:defRPr sz="2000">
+                <a:solidFill>
+                  <a:srgbClr val="000000"/>
+                </a:solidFill>
+                <a:latin typeface="Garamond"/>
+              </a:defRPr>
+            </a:pPr>
+            <a:endParaRPr lang="en-US" altLang="zh-TW" sz="1200" dirty="0"/>
+          </a:p>
+          <a:p>
+            <a:pPr>
+              <a:spcBef>
+                <a:spcPts val="1000"/>
+              </a:spcBef>
+              <a:defRPr sz="2000">
+                <a:solidFill>
+                  <a:srgbClr val="000000"/>
+                </a:solidFill>
+                <a:latin typeface="Garamond"/>
+              </a:defRPr>
+            </a:pPr>
+            <a:r>
+              <a:rPr lang="en-US" altLang="zh-TW" sz="2400" dirty="0"/>
+              <a:t>Let’s start off with a simple model with two goods.</a:t>
+            </a:r>
+          </a:p>
+        </p:txBody>
+      </p:sp>
+      <p:sp>
+        <p:nvSpPr>
+          <p:cNvPr id="4" name="Rectangle 3">
+            <a:extLst>
+              <a:ext uri="{FF2B5EF4-FFF2-40B4-BE49-F238E27FC236}">
+                <a16:creationId xmlns:a16="http://schemas.microsoft.com/office/drawing/2014/main" id="{E79AD3B8-B45E-05B3-9C2B-3F6403A041EF}"/>
+              </a:ext>
+            </a:extLst>
+          </p:cNvPr>
+          <p:cNvSpPr/>
+          <p:nvPr/>
+        </p:nvSpPr>
+        <p:spPr>
+          <a:xfrm>
+            <a:off x="0" y="0"/>
+            <a:ext cx="12188825" cy="923636"/>
+          </a:xfrm>
+          <a:prstGeom prst="rect">
+            <a:avLst/>
+          </a:prstGeom>
+          <a:solidFill>
+            <a:srgbClr val="77122C"/>
+          </a:solidFill>
+        </p:spPr>
+        <p:style>
+          <a:lnRef idx="1">
+            <a:schemeClr val="accent1"/>
+          </a:lnRef>
+          <a:fillRef idx="3">
+            <a:schemeClr val="accent1"/>
+          </a:fillRef>
+          <a:effectRef idx="2">
+            <a:schemeClr val="accent1"/>
+          </a:effectRef>
+          <a:fontRef idx="minor">
+            <a:schemeClr val="lt1"/>
+          </a:fontRef>
+        </p:style>
+        <p:txBody>
+          <a:bodyPr rtlCol="0" anchor="ctr"/>
+          <a:lstStyle/>
+          <a:p>
+            <a:pPr algn="ctr"/>
+            <a:endParaRPr lang="en-US"/>
+          </a:p>
+        </p:txBody>
+      </p:sp>
+      <p:sp>
+        <p:nvSpPr>
+          <p:cNvPr id="2" name="Title 1">
+            <a:extLst>
+              <a:ext uri="{FF2B5EF4-FFF2-40B4-BE49-F238E27FC236}">
+                <a16:creationId xmlns:a16="http://schemas.microsoft.com/office/drawing/2014/main" id="{E9533C74-26F7-7CDD-26FA-EAB04FFEBBBD}"/>
+              </a:ext>
+            </a:extLst>
+          </p:cNvPr>
+          <p:cNvSpPr>
+            <a:spLocks noGrp="1"/>
+          </p:cNvSpPr>
+          <p:nvPr>
+            <p:ph type="title"/>
+          </p:nvPr>
+        </p:nvSpPr>
+        <p:spPr>
+          <a:xfrm>
+            <a:off x="0" y="0"/>
+            <a:ext cx="12188825" cy="923636"/>
+          </a:xfrm>
+        </p:spPr>
+        <p:txBody>
+          <a:bodyPr>
+            <a:normAutofit/>
+          </a:bodyPr>
+          <a:lstStyle/>
+          <a:p>
+            <a:pPr algn="l">
+              <a:defRPr sz="4000" b="1">
+                <a:solidFill>
+                  <a:srgbClr val="FDB913"/>
+                </a:solidFill>
+                <a:latin typeface="Garamond"/>
+              </a:defRPr>
+            </a:pPr>
+            <a:r>
+              <a:rPr lang="en-US" sz="4000" dirty="0">
+                <a:solidFill>
+                  <a:schemeClr val="bg1"/>
+                </a:solidFill>
+              </a:rPr>
+              <a:t>  The Budget Constraint</a:t>
+            </a:r>
+          </a:p>
+        </p:txBody>
+      </p:sp>
+      <p:sp>
+        <p:nvSpPr>
+          <p:cNvPr id="5" name="Rectangle 4">
+            <a:extLst>
+              <a:ext uri="{FF2B5EF4-FFF2-40B4-BE49-F238E27FC236}">
+                <a16:creationId xmlns:a16="http://schemas.microsoft.com/office/drawing/2014/main" id="{4DB585D6-D63B-E9D0-A7AA-4E552DE243C9}"/>
+              </a:ext>
+            </a:extLst>
+          </p:cNvPr>
+          <p:cNvSpPr/>
+          <p:nvPr/>
+        </p:nvSpPr>
+        <p:spPr>
+          <a:xfrm>
+            <a:off x="-1" y="6503428"/>
+            <a:ext cx="12188825" cy="354572"/>
+          </a:xfrm>
+          <a:prstGeom prst="rect">
+            <a:avLst/>
+          </a:prstGeom>
+          <a:solidFill>
+            <a:srgbClr val="77122C"/>
+          </a:solidFill>
+        </p:spPr>
+        <p:style>
+          <a:lnRef idx="1">
+            <a:schemeClr val="accent1"/>
+          </a:lnRef>
+          <a:fillRef idx="3">
+            <a:schemeClr val="accent1"/>
+          </a:fillRef>
+          <a:effectRef idx="2">
+            <a:schemeClr val="accent1"/>
+          </a:effectRef>
+          <a:fontRef idx="minor">
+            <a:schemeClr val="lt1"/>
+          </a:fontRef>
+        </p:style>
+        <p:txBody>
+          <a:bodyPr rtlCol="0" anchor="ctr"/>
+          <a:lstStyle/>
+          <a:p>
+            <a:pPr algn="ctr"/>
+            <a:endParaRPr lang="en-US"/>
+          </a:p>
+        </p:txBody>
+      </p:sp>
+      <p:sp>
+        <p:nvSpPr>
+          <p:cNvPr id="6" name="Footer Placeholder 5">
+            <a:extLst>
+              <a:ext uri="{FF2B5EF4-FFF2-40B4-BE49-F238E27FC236}">
+                <a16:creationId xmlns:a16="http://schemas.microsoft.com/office/drawing/2014/main" id="{CB6D3F26-0F34-D695-955A-2204DF94C9E0}"/>
+              </a:ext>
+            </a:extLst>
+          </p:cNvPr>
+          <p:cNvSpPr>
+            <a:spLocks noGrp="1"/>
+          </p:cNvSpPr>
+          <p:nvPr>
+            <p:ph type="ftr" sz="quarter" idx="11"/>
+          </p:nvPr>
+        </p:nvSpPr>
+        <p:spPr>
+          <a:xfrm>
+            <a:off x="-1" y="6503428"/>
+            <a:ext cx="2895600" cy="354572"/>
+          </a:xfrm>
+        </p:spPr>
+        <p:txBody>
+          <a:bodyPr/>
+          <a:lstStyle/>
+          <a:p>
+            <a:pPr algn="l"/>
+            <a:r>
+              <a:rPr lang="en-US" dirty="0">
+                <a:solidFill>
+                  <a:schemeClr val="bg1"/>
+                </a:solidFill>
+                <a:latin typeface="Garamond" panose="02020404030301010803" pitchFamily="18" charset="0"/>
+              </a:rPr>
+              <a:t> Principles of Global Economics</a:t>
+            </a:r>
+          </a:p>
+        </p:txBody>
+      </p:sp>
+      <p:sp>
+        <p:nvSpPr>
+          <p:cNvPr id="7" name="Slide Number Placeholder 6">
+            <a:extLst>
+              <a:ext uri="{FF2B5EF4-FFF2-40B4-BE49-F238E27FC236}">
+                <a16:creationId xmlns:a16="http://schemas.microsoft.com/office/drawing/2014/main" id="{87B32C08-BC4A-16B5-BFE5-80E68DB46B1C}"/>
+              </a:ext>
+            </a:extLst>
+          </p:cNvPr>
+          <p:cNvSpPr>
+            <a:spLocks noGrp="1"/>
+          </p:cNvSpPr>
+          <p:nvPr>
+            <p:ph type="sldNum" sz="quarter" idx="12"/>
+          </p:nvPr>
+        </p:nvSpPr>
+        <p:spPr>
+          <a:xfrm>
+            <a:off x="10055225" y="6503428"/>
+            <a:ext cx="2133600" cy="354572"/>
+          </a:xfrm>
+        </p:spPr>
+        <p:txBody>
+          <a:bodyPr/>
+          <a:lstStyle/>
+          <a:p>
+            <a:fld id="{C1FF6DA9-008F-8B48-92A6-B652298478BF}" type="slidenum">
+              <a:rPr lang="en-US" b="1" smtClean="0">
+                <a:solidFill>
+                  <a:schemeClr val="bg1"/>
+                </a:solidFill>
+                <a:latin typeface="Garamond" panose="02020404030301010803" pitchFamily="18" charset="0"/>
+              </a:rPr>
+              <a:t>4</a:t>
+            </a:fld>
+            <a:r>
+              <a:rPr lang="en-US" b="1" dirty="0">
+                <a:solidFill>
+                  <a:schemeClr val="bg1"/>
+                </a:solidFill>
+                <a:latin typeface="Garamond" panose="02020404030301010803" pitchFamily="18" charset="0"/>
+              </a:rPr>
+              <a:t> </a:t>
+            </a:r>
+          </a:p>
+        </p:txBody>
+      </p:sp>
+    </p:spTree>
+    <p:extLst>
+      <p:ext uri="{BB962C8B-B14F-4D97-AF65-F5344CB8AC3E}">
+        <p14:creationId xmlns:p14="http://schemas.microsoft.com/office/powerpoint/2010/main" val="3449665975"/>
+      </p:ext>
+    </p:extLst>
+  </p:cSld>
+  <p:clrMapOvr>
+    <a:masterClrMapping/>
+  </p:clrMapOvr>
+  <p:timing>
+    <p:tnLst>
+      <p:par>
+        <p:cTn id="1" dur="indefinite" restart="never" nodeType="tmRoot">
+          <p:childTnLst>
+            <p:seq concurrent="1" nextAc="seek">
+              <p:cTn id="2" dur="indefinite" nodeType="mainSeq">
+                <p:childTnLst>
+                  <p:par>
+                    <p:cTn id="3" fill="hold">
+                      <p:stCondLst>
+                        <p:cond delay="indefinite"/>
+                        <p:cond evt="onBegin" delay="0">
+                          <p:tn val="2"/>
+                        </p:cond>
+                      </p:stCondLst>
+                      <p:childTnLst>
+                        <p:par>
+                          <p:cTn id="4" fill="hold">
+                            <p:stCondLst>
+                              <p:cond delay="0"/>
+                            </p:stCondLst>
+                            <p:childTnLst>
+                              <p:par>
+                                <p:cTn id="5" presetID="10" presetClass="entr" presetSubtype="0" fill="hold" nodeType="withEffect">
+                                  <p:stCondLst>
+                                    <p:cond delay="0"/>
+                                  </p:stCondLst>
+                                  <p:childTnLst>
+                                    <p:set>
+                                      <p:cBhvr>
+                                        <p:cTn id="6" dur="1" fill="hold">
+                                          <p:stCondLst>
+                                            <p:cond delay="0"/>
+                                          </p:stCondLst>
+                                        </p:cTn>
+                                        <p:tgtEl>
+                                          <p:spTgt spid="3">
+                                            <p:txEl>
+                                              <p:pRg st="0" end="0"/>
+                                            </p:txEl>
+                                          </p:spTgt>
+                                        </p:tgtEl>
+                                        <p:attrNameLst>
+                                          <p:attrName>style.visibility</p:attrName>
+                                        </p:attrNameLst>
+                                      </p:cBhvr>
+                                      <p:to>
+                                        <p:strVal val="visible"/>
+                                      </p:to>
+                                    </p:set>
+                                    <p:animEffect transition="in" filter="fade">
+                                      <p:cBhvr>
+                                        <p:cTn id="7" dur="500"/>
+                                        <p:tgtEl>
+                                          <p:spTgt spid="3">
+                                            <p:txEl>
+                                              <p:pRg st="0" end="0"/>
+                                            </p:txEl>
+                                          </p:spTgt>
+                                        </p:tgtEl>
+                                      </p:cBhvr>
+                                    </p:animEffect>
+                                  </p:childTnLst>
+                                </p:cTn>
+                              </p:par>
+                            </p:childTnLst>
+                          </p:cTn>
+                        </p:par>
+                      </p:childTnLst>
+                    </p:cTn>
+                  </p:par>
+                  <p:par>
+                    <p:cTn id="8" fill="hold">
+                      <p:stCondLst>
+                        <p:cond delay="indefinite"/>
+                      </p:stCondLst>
+                      <p:childTnLst>
+                        <p:par>
+                          <p:cTn id="9" fill="hold">
+                            <p:stCondLst>
+                              <p:cond delay="0"/>
+                            </p:stCondLst>
+                            <p:childTnLst>
+                              <p:par>
+                                <p:cTn id="10" presetID="10" presetClass="entr" presetSubtype="0" fill="hold" nodeType="clickEffect">
+                                  <p:stCondLst>
+                                    <p:cond delay="0"/>
+                                  </p:stCondLst>
+                                  <p:childTnLst>
+                                    <p:set>
+                                      <p:cBhvr>
+                                        <p:cTn id="11" dur="1" fill="hold">
+                                          <p:stCondLst>
+                                            <p:cond delay="0"/>
+                                          </p:stCondLst>
+                                        </p:cTn>
+                                        <p:tgtEl>
+                                          <p:spTgt spid="3">
+                                            <p:txEl>
+                                              <p:pRg st="2" end="2"/>
+                                            </p:txEl>
+                                          </p:spTgt>
+                                        </p:tgtEl>
+                                        <p:attrNameLst>
+                                          <p:attrName>style.visibility</p:attrName>
+                                        </p:attrNameLst>
+                                      </p:cBhvr>
+                                      <p:to>
+                                        <p:strVal val="visible"/>
+                                      </p:to>
+                                    </p:set>
+                                    <p:animEffect transition="in" filter="fade">
+                                      <p:cBhvr>
+                                        <p:cTn id="12" dur="500"/>
+                                        <p:tgtEl>
+                                          <p:spTgt spid="3">
+                                            <p:txEl>
+                                              <p:pRg st="2" end="2"/>
+                                            </p:txEl>
+                                          </p:spTgt>
+                                        </p:tgtEl>
+                                      </p:cBhvr>
+                                    </p:animEffect>
+                                  </p:childTnLst>
+                                </p:cTn>
+                              </p:par>
+                              <p:par>
+                                <p:cTn id="13" presetID="10" presetClass="entr" presetSubtype="0" fill="hold" nodeType="withEffect">
+                                  <p:stCondLst>
+                                    <p:cond delay="0"/>
+                                  </p:stCondLst>
+                                  <p:childTnLst>
+                                    <p:set>
+                                      <p:cBhvr>
+                                        <p:cTn id="14" dur="1" fill="hold">
+                                          <p:stCondLst>
+                                            <p:cond delay="0"/>
+                                          </p:stCondLst>
+                                        </p:cTn>
+                                        <p:tgtEl>
+                                          <p:spTgt spid="3">
+                                            <p:txEl>
+                                              <p:pRg st="3" end="3"/>
+                                            </p:txEl>
+                                          </p:spTgt>
+                                        </p:tgtEl>
+                                        <p:attrNameLst>
+                                          <p:attrName>style.visibility</p:attrName>
+                                        </p:attrNameLst>
+                                      </p:cBhvr>
+                                      <p:to>
+                                        <p:strVal val="visible"/>
+                                      </p:to>
+                                    </p:set>
+                                    <p:animEffect transition="in" filter="fade">
+                                      <p:cBhvr>
+                                        <p:cTn id="15" dur="500"/>
+                                        <p:tgtEl>
+                                          <p:spTgt spid="3">
+                                            <p:txEl>
+                                              <p:pRg st="3" end="3"/>
+                                            </p:txEl>
+                                          </p:spTgt>
+                                        </p:tgtEl>
+                                      </p:cBhvr>
+                                    </p:animEffect>
+                                  </p:childTnLst>
+                                </p:cTn>
+                              </p:par>
+                              <p:par>
+                                <p:cTn id="16" presetID="10" presetClass="entr" presetSubtype="0" fill="hold" nodeType="withEffect">
+                                  <p:stCondLst>
+                                    <p:cond delay="0"/>
+                                  </p:stCondLst>
+                                  <p:childTnLst>
+                                    <p:set>
+                                      <p:cBhvr>
+                                        <p:cTn id="17" dur="1" fill="hold">
+                                          <p:stCondLst>
+                                            <p:cond delay="0"/>
+                                          </p:stCondLst>
+                                        </p:cTn>
+                                        <p:tgtEl>
+                                          <p:spTgt spid="3">
+                                            <p:txEl>
+                                              <p:pRg st="4" end="4"/>
+                                            </p:txEl>
+                                          </p:spTgt>
+                                        </p:tgtEl>
+                                        <p:attrNameLst>
+                                          <p:attrName>style.visibility</p:attrName>
+                                        </p:attrNameLst>
+                                      </p:cBhvr>
+                                      <p:to>
+                                        <p:strVal val="visible"/>
+                                      </p:to>
+                                    </p:set>
+                                    <p:animEffect transition="in" filter="fade">
+                                      <p:cBhvr>
+                                        <p:cTn id="18" dur="500"/>
+                                        <p:tgtEl>
+                                          <p:spTgt spid="3">
+                                            <p:txEl>
+                                              <p:pRg st="4" end="4"/>
+                                            </p:txEl>
+                                          </p:spTgt>
+                                        </p:tgtEl>
+                                      </p:cBhvr>
+                                    </p:animEffect>
+                                  </p:childTnLst>
+                                </p:cTn>
+                              </p:par>
+                            </p:childTnLst>
+                          </p:cTn>
+                        </p:par>
+                      </p:childTnLst>
+                    </p:cTn>
+                  </p:par>
+                  <p:par>
+                    <p:cTn id="19" fill="hold">
+                      <p:stCondLst>
+                        <p:cond delay="indefinite"/>
+                      </p:stCondLst>
+                      <p:childTnLst>
+                        <p:par>
+                          <p:cTn id="20" fill="hold">
+                            <p:stCondLst>
+                              <p:cond delay="0"/>
+                            </p:stCondLst>
+                            <p:childTnLst>
+                              <p:par>
+                                <p:cTn id="21" presetID="10" presetClass="entr" presetSubtype="0" fill="hold" nodeType="clickEffect">
+                                  <p:stCondLst>
+                                    <p:cond delay="0"/>
+                                  </p:stCondLst>
+                                  <p:childTnLst>
+                                    <p:set>
+                                      <p:cBhvr>
+                                        <p:cTn id="22" dur="1" fill="hold">
+                                          <p:stCondLst>
+                                            <p:cond delay="0"/>
+                                          </p:stCondLst>
+                                        </p:cTn>
+                                        <p:tgtEl>
+                                          <p:spTgt spid="3">
+                                            <p:txEl>
+                                              <p:pRg st="6" end="6"/>
+                                            </p:txEl>
+                                          </p:spTgt>
+                                        </p:tgtEl>
+                                        <p:attrNameLst>
+                                          <p:attrName>style.visibility</p:attrName>
+                                        </p:attrNameLst>
+                                      </p:cBhvr>
+                                      <p:to>
+                                        <p:strVal val="visible"/>
+                                      </p:to>
+                                    </p:set>
+                                    <p:animEffect transition="in" filter="fade">
+                                      <p:cBhvr>
+                                        <p:cTn id="23" dur="500"/>
+                                        <p:tgtEl>
+                                          <p:spTgt spid="3">
+                                            <p:txEl>
+                                              <p:pRg st="6" end="6"/>
+                                            </p:txEl>
+                                          </p:spTgt>
+                                        </p:tgtEl>
+                                      </p:cBhvr>
+                                    </p:animEffect>
+                                  </p:childTnLst>
+                                </p:cTn>
+                              </p:par>
+                            </p:childTnLst>
+                          </p:cTn>
+                        </p:par>
+                      </p:childTnLst>
+                    </p:cTn>
+                  </p:par>
+                  <p:par>
+                    <p:cTn id="24" fill="hold">
+                      <p:stCondLst>
+                        <p:cond delay="indefinite"/>
+                      </p:stCondLst>
+                      <p:childTnLst>
+                        <p:par>
+                          <p:cTn id="25" fill="hold">
+                            <p:stCondLst>
+                              <p:cond delay="0"/>
+                            </p:stCondLst>
+                            <p:childTnLst>
+                              <p:par>
+                                <p:cTn id="26" presetID="10" presetClass="entr" presetSubtype="0" fill="hold" nodeType="clickEffect">
+                                  <p:stCondLst>
+                                    <p:cond delay="0"/>
+                                  </p:stCondLst>
+                                  <p:childTnLst>
+                                    <p:set>
+                                      <p:cBhvr>
+                                        <p:cTn id="27" dur="1" fill="hold">
+                                          <p:stCondLst>
+                                            <p:cond delay="0"/>
+                                          </p:stCondLst>
+                                        </p:cTn>
+                                        <p:tgtEl>
+                                          <p:spTgt spid="3">
+                                            <p:txEl>
+                                              <p:pRg st="8" end="8"/>
+                                            </p:txEl>
+                                          </p:spTgt>
+                                        </p:tgtEl>
+                                        <p:attrNameLst>
+                                          <p:attrName>style.visibility</p:attrName>
+                                        </p:attrNameLst>
+                                      </p:cBhvr>
+                                      <p:to>
+                                        <p:strVal val="visible"/>
+                                      </p:to>
+                                    </p:set>
+                                    <p:animEffect transition="in" filter="fade">
+                                      <p:cBhvr>
+                                        <p:cTn id="28" dur="500"/>
+                                        <p:tgtEl>
+                                          <p:spTgt spid="3">
+                                            <p:txEl>
+                                              <p:pRg st="8" end="8"/>
+                                            </p:txEl>
+                                          </p:spTgt>
+                                        </p:tgtEl>
+                                      </p:cBhvr>
+                                    </p:animEffect>
+                                  </p:childTnLst>
+                                </p:cTn>
+                              </p:par>
+                            </p:childTnLst>
+                          </p:cTn>
+                        </p:par>
+                      </p:childTnLst>
+                    </p:cTn>
+                  </p:par>
+                </p:childTnLst>
+              </p:cTn>
+              <p:prevCondLst>
+                <p:cond evt="onPrev" delay="0">
+                  <p:tgtEl>
+                    <p:sldTgt/>
+                  </p:tgtEl>
+                </p:cond>
+              </p:prevCondLst>
+              <p:nextCondLst>
+                <p:cond evt="onNext" delay="0">
+                  <p:tgtEl>
+                    <p:sldTgt/>
+                  </p:tgtEl>
+                </p:cond>
+              </p:nextCondLst>
+            </p:seq>
+          </p:childTnLst>
+        </p:cTn>
+      </p:par>
+    </p:tnLst>
+  </p:timing>
+</p:sld>
+</file>
+
+<file path=ppt/slides/slide40.xml><?xml version="1.0" encoding="utf-8"?>
+<p:sld xmlns:a="http://schemas.openxmlformats.org/drawingml/2006/main" xmlns:r="http://schemas.openxmlformats.org/officeDocument/2006/relationships" xmlns:p="http://schemas.openxmlformats.org/presentationml/2006/main">
+  <p:cSld>
     <p:bg>
       <p:bgPr>
         <a:solidFill>
@@ -27300,806 +29053,7 @@
 </p:sld>
 </file>
 
-<file path=ppt/slides/slide4.xml><?xml version="1.0" encoding="utf-8"?>
-<p:sld xmlns:a="http://schemas.openxmlformats.org/drawingml/2006/main" xmlns:r="http://schemas.openxmlformats.org/officeDocument/2006/relationships" xmlns:p="http://schemas.openxmlformats.org/presentationml/2006/main">
-  <p:cSld>
-    <p:spTree>
-      <p:nvGrpSpPr>
-        <p:cNvPr id="1" name="">
-          <a:extLst>
-            <a:ext uri="{FF2B5EF4-FFF2-40B4-BE49-F238E27FC236}">
-              <a16:creationId xmlns:a16="http://schemas.microsoft.com/office/drawing/2014/main" id="{D27AEFF2-F746-BD8D-D2B8-1FC132FDB0F0}"/>
-            </a:ext>
-          </a:extLst>
-        </p:cNvPr>
-        <p:cNvGrpSpPr/>
-        <p:nvPr/>
-      </p:nvGrpSpPr>
-      <p:grpSpPr>
-        <a:xfrm>
-          <a:off x="0" y="0"/>
-          <a:ext cx="0" cy="0"/>
-          <a:chOff x="0" y="0"/>
-          <a:chExt cx="0" cy="0"/>
-        </a:xfrm>
-      </p:grpSpPr>
-      <p:sp>
-        <p:nvSpPr>
-          <p:cNvPr id="3" name="Content Placeholder 2">
-            <a:extLst>
-              <a:ext uri="{FF2B5EF4-FFF2-40B4-BE49-F238E27FC236}">
-                <a16:creationId xmlns:a16="http://schemas.microsoft.com/office/drawing/2014/main" id="{79210A33-223B-9471-CB72-FE8056A1841A}"/>
-              </a:ext>
-            </a:extLst>
-          </p:cNvPr>
-          <p:cNvSpPr>
-            <a:spLocks noGrp="1"/>
-          </p:cNvSpPr>
-          <p:nvPr>
-            <p:ph idx="1"/>
-          </p:nvPr>
-        </p:nvSpPr>
-        <p:spPr>
-          <a:xfrm>
-            <a:off x="457199" y="1300900"/>
-            <a:ext cx="11189855" cy="5081046"/>
-          </a:xfrm>
-        </p:spPr>
-        <p:txBody>
-          <a:bodyPr>
-            <a:normAutofit/>
-          </a:bodyPr>
-          <a:lstStyle/>
-          <a:p>
-            <a:pPr>
-              <a:spcBef>
-                <a:spcPts val="1000"/>
-              </a:spcBef>
-              <a:defRPr sz="2000">
-                <a:solidFill>
-                  <a:srgbClr val="000000"/>
-                </a:solidFill>
-                <a:latin typeface="Garamond"/>
-              </a:defRPr>
-            </a:pPr>
-            <a:r>
-              <a:rPr lang="en-US" altLang="zh-TW" sz="2400" dirty="0"/>
-              <a:t>We can consume any bundle of goods and services, as long as we can afford it.</a:t>
-            </a:r>
-          </a:p>
-          <a:p>
-            <a:pPr lvl="3">
-              <a:spcBef>
-                <a:spcPts val="1000"/>
-              </a:spcBef>
-              <a:defRPr sz="2000">
-                <a:solidFill>
-                  <a:srgbClr val="000000"/>
-                </a:solidFill>
-                <a:latin typeface="Garamond"/>
-              </a:defRPr>
-            </a:pPr>
-            <a:endParaRPr lang="en-US" altLang="zh-TW" sz="1200" dirty="0"/>
-          </a:p>
-          <a:p>
-            <a:pPr>
-              <a:spcBef>
-                <a:spcPts val="1000"/>
-              </a:spcBef>
-              <a:defRPr sz="2000">
-                <a:solidFill>
-                  <a:srgbClr val="000000"/>
-                </a:solidFill>
-                <a:latin typeface="Garamond"/>
-              </a:defRPr>
-            </a:pPr>
-            <a:r>
-              <a:rPr lang="en-US" altLang="zh-TW" sz="2400" dirty="0"/>
-              <a:t>How can we formalize this idea to examine the consumer’s choice?</a:t>
-            </a:r>
-          </a:p>
-          <a:p>
-            <a:pPr lvl="1">
-              <a:spcBef>
-                <a:spcPts val="1000"/>
-              </a:spcBef>
-              <a:defRPr sz="2000">
-                <a:solidFill>
-                  <a:srgbClr val="000000"/>
-                </a:solidFill>
-                <a:latin typeface="Garamond"/>
-              </a:defRPr>
-            </a:pPr>
-            <a:r>
-              <a:rPr lang="en-US" altLang="zh-TW" sz="2000" dirty="0"/>
-              <a:t>How can we express the statement above in a graph?</a:t>
-            </a:r>
-          </a:p>
-          <a:p>
-            <a:pPr lvl="1">
-              <a:spcBef>
-                <a:spcPts val="1000"/>
-              </a:spcBef>
-              <a:defRPr sz="2000">
-                <a:solidFill>
-                  <a:srgbClr val="000000"/>
-                </a:solidFill>
-                <a:latin typeface="Garamond"/>
-              </a:defRPr>
-            </a:pPr>
-            <a:r>
-              <a:rPr lang="en-US" altLang="zh-TW" sz="2000" dirty="0"/>
-              <a:t>How can we translate these words into math?</a:t>
-            </a:r>
-          </a:p>
-          <a:p>
-            <a:pPr lvl="4">
-              <a:spcBef>
-                <a:spcPts val="1000"/>
-              </a:spcBef>
-              <a:defRPr sz="2000">
-                <a:solidFill>
-                  <a:srgbClr val="000000"/>
-                </a:solidFill>
-                <a:latin typeface="Garamond"/>
-              </a:defRPr>
-            </a:pPr>
-            <a:endParaRPr lang="en-US" altLang="zh-TW" sz="1200" dirty="0"/>
-          </a:p>
-          <a:p>
-            <a:pPr>
-              <a:spcBef>
-                <a:spcPts val="1000"/>
-              </a:spcBef>
-              <a:defRPr sz="2000">
-                <a:solidFill>
-                  <a:srgbClr val="000000"/>
-                </a:solidFill>
-                <a:latin typeface="Garamond"/>
-              </a:defRPr>
-            </a:pPr>
-            <a:r>
-              <a:rPr lang="en-US" altLang="zh-TW" sz="2400" dirty="0"/>
-              <a:t>To make the idea of affordability precise, we need a simple economic environment.</a:t>
-            </a:r>
-          </a:p>
-          <a:p>
-            <a:pPr lvl="4">
-              <a:spcBef>
-                <a:spcPts val="1000"/>
-              </a:spcBef>
-              <a:defRPr sz="2000">
-                <a:solidFill>
-                  <a:srgbClr val="000000"/>
-                </a:solidFill>
-                <a:latin typeface="Garamond"/>
-              </a:defRPr>
-            </a:pPr>
-            <a:endParaRPr lang="en-US" altLang="zh-TW" sz="1200" dirty="0"/>
-          </a:p>
-          <a:p>
-            <a:pPr>
-              <a:spcBef>
-                <a:spcPts val="1000"/>
-              </a:spcBef>
-              <a:defRPr sz="2000">
-                <a:solidFill>
-                  <a:srgbClr val="000000"/>
-                </a:solidFill>
-                <a:latin typeface="Garamond"/>
-              </a:defRPr>
-            </a:pPr>
-            <a:r>
-              <a:rPr lang="en-US" altLang="zh-TW" sz="2400" dirty="0"/>
-              <a:t>Let’s start off with a simple model with two goods.</a:t>
-            </a:r>
-          </a:p>
-        </p:txBody>
-      </p:sp>
-      <p:sp>
-        <p:nvSpPr>
-          <p:cNvPr id="4" name="Rectangle 3">
-            <a:extLst>
-              <a:ext uri="{FF2B5EF4-FFF2-40B4-BE49-F238E27FC236}">
-                <a16:creationId xmlns:a16="http://schemas.microsoft.com/office/drawing/2014/main" id="{E79AD3B8-B45E-05B3-9C2B-3F6403A041EF}"/>
-              </a:ext>
-            </a:extLst>
-          </p:cNvPr>
-          <p:cNvSpPr/>
-          <p:nvPr/>
-        </p:nvSpPr>
-        <p:spPr>
-          <a:xfrm>
-            <a:off x="0" y="0"/>
-            <a:ext cx="12188825" cy="923636"/>
-          </a:xfrm>
-          <a:prstGeom prst="rect">
-            <a:avLst/>
-          </a:prstGeom>
-          <a:solidFill>
-            <a:srgbClr val="77122C"/>
-          </a:solidFill>
-        </p:spPr>
-        <p:style>
-          <a:lnRef idx="1">
-            <a:schemeClr val="accent1"/>
-          </a:lnRef>
-          <a:fillRef idx="3">
-            <a:schemeClr val="accent1"/>
-          </a:fillRef>
-          <a:effectRef idx="2">
-            <a:schemeClr val="accent1"/>
-          </a:effectRef>
-          <a:fontRef idx="minor">
-            <a:schemeClr val="lt1"/>
-          </a:fontRef>
-        </p:style>
-        <p:txBody>
-          <a:bodyPr rtlCol="0" anchor="ctr"/>
-          <a:lstStyle/>
-          <a:p>
-            <a:pPr algn="ctr"/>
-            <a:endParaRPr lang="en-US"/>
-          </a:p>
-        </p:txBody>
-      </p:sp>
-      <p:sp>
-        <p:nvSpPr>
-          <p:cNvPr id="2" name="Title 1">
-            <a:extLst>
-              <a:ext uri="{FF2B5EF4-FFF2-40B4-BE49-F238E27FC236}">
-                <a16:creationId xmlns:a16="http://schemas.microsoft.com/office/drawing/2014/main" id="{E9533C74-26F7-7CDD-26FA-EAB04FFEBBBD}"/>
-              </a:ext>
-            </a:extLst>
-          </p:cNvPr>
-          <p:cNvSpPr>
-            <a:spLocks noGrp="1"/>
-          </p:cNvSpPr>
-          <p:nvPr>
-            <p:ph type="title"/>
-          </p:nvPr>
-        </p:nvSpPr>
-        <p:spPr>
-          <a:xfrm>
-            <a:off x="0" y="0"/>
-            <a:ext cx="12188825" cy="923636"/>
-          </a:xfrm>
-        </p:spPr>
-        <p:txBody>
-          <a:bodyPr>
-            <a:normAutofit/>
-          </a:bodyPr>
-          <a:lstStyle/>
-          <a:p>
-            <a:pPr algn="l">
-              <a:defRPr sz="4000" b="1">
-                <a:solidFill>
-                  <a:srgbClr val="FDB913"/>
-                </a:solidFill>
-                <a:latin typeface="Garamond"/>
-              </a:defRPr>
-            </a:pPr>
-            <a:r>
-              <a:rPr lang="en-US" sz="4000" dirty="0">
-                <a:solidFill>
-                  <a:schemeClr val="bg1"/>
-                </a:solidFill>
-              </a:rPr>
-              <a:t>  The Budget Constraint</a:t>
-            </a:r>
-          </a:p>
-        </p:txBody>
-      </p:sp>
-      <p:sp>
-        <p:nvSpPr>
-          <p:cNvPr id="5" name="Rectangle 4">
-            <a:extLst>
-              <a:ext uri="{FF2B5EF4-FFF2-40B4-BE49-F238E27FC236}">
-                <a16:creationId xmlns:a16="http://schemas.microsoft.com/office/drawing/2014/main" id="{4DB585D6-D63B-E9D0-A7AA-4E552DE243C9}"/>
-              </a:ext>
-            </a:extLst>
-          </p:cNvPr>
-          <p:cNvSpPr/>
-          <p:nvPr/>
-        </p:nvSpPr>
-        <p:spPr>
-          <a:xfrm>
-            <a:off x="-1" y="6503428"/>
-            <a:ext cx="12188825" cy="354572"/>
-          </a:xfrm>
-          <a:prstGeom prst="rect">
-            <a:avLst/>
-          </a:prstGeom>
-          <a:solidFill>
-            <a:srgbClr val="77122C"/>
-          </a:solidFill>
-        </p:spPr>
-        <p:style>
-          <a:lnRef idx="1">
-            <a:schemeClr val="accent1"/>
-          </a:lnRef>
-          <a:fillRef idx="3">
-            <a:schemeClr val="accent1"/>
-          </a:fillRef>
-          <a:effectRef idx="2">
-            <a:schemeClr val="accent1"/>
-          </a:effectRef>
-          <a:fontRef idx="minor">
-            <a:schemeClr val="lt1"/>
-          </a:fontRef>
-        </p:style>
-        <p:txBody>
-          <a:bodyPr rtlCol="0" anchor="ctr"/>
-          <a:lstStyle/>
-          <a:p>
-            <a:pPr algn="ctr"/>
-            <a:endParaRPr lang="en-US"/>
-          </a:p>
-        </p:txBody>
-      </p:sp>
-      <p:sp>
-        <p:nvSpPr>
-          <p:cNvPr id="6" name="Footer Placeholder 5">
-            <a:extLst>
-              <a:ext uri="{FF2B5EF4-FFF2-40B4-BE49-F238E27FC236}">
-                <a16:creationId xmlns:a16="http://schemas.microsoft.com/office/drawing/2014/main" id="{CB6D3F26-0F34-D695-955A-2204DF94C9E0}"/>
-              </a:ext>
-            </a:extLst>
-          </p:cNvPr>
-          <p:cNvSpPr>
-            <a:spLocks noGrp="1"/>
-          </p:cNvSpPr>
-          <p:nvPr>
-            <p:ph type="ftr" sz="quarter" idx="11"/>
-          </p:nvPr>
-        </p:nvSpPr>
-        <p:spPr>
-          <a:xfrm>
-            <a:off x="-1" y="6503428"/>
-            <a:ext cx="2895600" cy="354572"/>
-          </a:xfrm>
-        </p:spPr>
-        <p:txBody>
-          <a:bodyPr/>
-          <a:lstStyle/>
-          <a:p>
-            <a:pPr algn="l"/>
-            <a:r>
-              <a:rPr lang="en-US" dirty="0">
-                <a:solidFill>
-                  <a:schemeClr val="bg1"/>
-                </a:solidFill>
-                <a:latin typeface="Garamond" panose="02020404030301010803" pitchFamily="18" charset="0"/>
-              </a:rPr>
-              <a:t> Principles of Global Economics</a:t>
-            </a:r>
-          </a:p>
-        </p:txBody>
-      </p:sp>
-      <p:sp>
-        <p:nvSpPr>
-          <p:cNvPr id="7" name="Slide Number Placeholder 6">
-            <a:extLst>
-              <a:ext uri="{FF2B5EF4-FFF2-40B4-BE49-F238E27FC236}">
-                <a16:creationId xmlns:a16="http://schemas.microsoft.com/office/drawing/2014/main" id="{87B32C08-BC4A-16B5-BFE5-80E68DB46B1C}"/>
-              </a:ext>
-            </a:extLst>
-          </p:cNvPr>
-          <p:cNvSpPr>
-            <a:spLocks noGrp="1"/>
-          </p:cNvSpPr>
-          <p:nvPr>
-            <p:ph type="sldNum" sz="quarter" idx="12"/>
-          </p:nvPr>
-        </p:nvSpPr>
-        <p:spPr>
-          <a:xfrm>
-            <a:off x="10055225" y="6503428"/>
-            <a:ext cx="2133600" cy="354572"/>
-          </a:xfrm>
-        </p:spPr>
-        <p:txBody>
-          <a:bodyPr/>
-          <a:lstStyle/>
-          <a:p>
-            <a:fld id="{C1FF6DA9-008F-8B48-92A6-B652298478BF}" type="slidenum">
-              <a:rPr lang="en-US" b="1" smtClean="0">
-                <a:solidFill>
-                  <a:schemeClr val="bg1"/>
-                </a:solidFill>
-                <a:latin typeface="Garamond" panose="02020404030301010803" pitchFamily="18" charset="0"/>
-              </a:rPr>
-              <a:t>4</a:t>
-            </a:fld>
-            <a:r>
-              <a:rPr lang="en-US" b="1" dirty="0">
-                <a:solidFill>
-                  <a:schemeClr val="bg1"/>
-                </a:solidFill>
-                <a:latin typeface="Garamond" panose="02020404030301010803" pitchFamily="18" charset="0"/>
-              </a:rPr>
-              <a:t> </a:t>
-            </a:r>
-          </a:p>
-        </p:txBody>
-      </p:sp>
-    </p:spTree>
-    <p:extLst>
-      <p:ext uri="{BB962C8B-B14F-4D97-AF65-F5344CB8AC3E}">
-        <p14:creationId xmlns:p14="http://schemas.microsoft.com/office/powerpoint/2010/main" val="3449665975"/>
-      </p:ext>
-    </p:extLst>
-  </p:cSld>
-  <p:clrMapOvr>
-    <a:masterClrMapping/>
-  </p:clrMapOvr>
-  <p:timing>
-    <p:tnLst>
-      <p:par>
-        <p:cTn id="1" dur="indefinite" restart="never" nodeType="tmRoot">
-          <p:childTnLst>
-            <p:seq concurrent="1" nextAc="seek">
-              <p:cTn id="2" dur="indefinite" nodeType="mainSeq">
-                <p:childTnLst>
-                  <p:par>
-                    <p:cTn id="3" fill="hold">
-                      <p:stCondLst>
-                        <p:cond delay="indefinite"/>
-                        <p:cond evt="onBegin" delay="0">
-                          <p:tn val="2"/>
-                        </p:cond>
-                      </p:stCondLst>
-                      <p:childTnLst>
-                        <p:par>
-                          <p:cTn id="4" fill="hold">
-                            <p:stCondLst>
-                              <p:cond delay="0"/>
-                            </p:stCondLst>
-                            <p:childTnLst>
-                              <p:par>
-                                <p:cTn id="5" presetID="10" presetClass="entr" presetSubtype="0" fill="hold" nodeType="withEffect">
-                                  <p:stCondLst>
-                                    <p:cond delay="0"/>
-                                  </p:stCondLst>
-                                  <p:childTnLst>
-                                    <p:set>
-                                      <p:cBhvr>
-                                        <p:cTn id="6" dur="1" fill="hold">
-                                          <p:stCondLst>
-                                            <p:cond delay="0"/>
-                                          </p:stCondLst>
-                                        </p:cTn>
-                                        <p:tgtEl>
-                                          <p:spTgt spid="3">
-                                            <p:txEl>
-                                              <p:pRg st="0" end="0"/>
-                                            </p:txEl>
-                                          </p:spTgt>
-                                        </p:tgtEl>
-                                        <p:attrNameLst>
-                                          <p:attrName>style.visibility</p:attrName>
-                                        </p:attrNameLst>
-                                      </p:cBhvr>
-                                      <p:to>
-                                        <p:strVal val="visible"/>
-                                      </p:to>
-                                    </p:set>
-                                    <p:animEffect transition="in" filter="fade">
-                                      <p:cBhvr>
-                                        <p:cTn id="7" dur="500"/>
-                                        <p:tgtEl>
-                                          <p:spTgt spid="3">
-                                            <p:txEl>
-                                              <p:pRg st="0" end="0"/>
-                                            </p:txEl>
-                                          </p:spTgt>
-                                        </p:tgtEl>
-                                      </p:cBhvr>
-                                    </p:animEffect>
-                                  </p:childTnLst>
-                                </p:cTn>
-                              </p:par>
-                            </p:childTnLst>
-                          </p:cTn>
-                        </p:par>
-                      </p:childTnLst>
-                    </p:cTn>
-                  </p:par>
-                  <p:par>
-                    <p:cTn id="8" fill="hold">
-                      <p:stCondLst>
-                        <p:cond delay="indefinite"/>
-                      </p:stCondLst>
-                      <p:childTnLst>
-                        <p:par>
-                          <p:cTn id="9" fill="hold">
-                            <p:stCondLst>
-                              <p:cond delay="0"/>
-                            </p:stCondLst>
-                            <p:childTnLst>
-                              <p:par>
-                                <p:cTn id="10" presetID="10" presetClass="entr" presetSubtype="0" fill="hold" nodeType="clickEffect">
-                                  <p:stCondLst>
-                                    <p:cond delay="0"/>
-                                  </p:stCondLst>
-                                  <p:childTnLst>
-                                    <p:set>
-                                      <p:cBhvr>
-                                        <p:cTn id="11" dur="1" fill="hold">
-                                          <p:stCondLst>
-                                            <p:cond delay="0"/>
-                                          </p:stCondLst>
-                                        </p:cTn>
-                                        <p:tgtEl>
-                                          <p:spTgt spid="3">
-                                            <p:txEl>
-                                              <p:pRg st="2" end="2"/>
-                                            </p:txEl>
-                                          </p:spTgt>
-                                        </p:tgtEl>
-                                        <p:attrNameLst>
-                                          <p:attrName>style.visibility</p:attrName>
-                                        </p:attrNameLst>
-                                      </p:cBhvr>
-                                      <p:to>
-                                        <p:strVal val="visible"/>
-                                      </p:to>
-                                    </p:set>
-                                    <p:animEffect transition="in" filter="fade">
-                                      <p:cBhvr>
-                                        <p:cTn id="12" dur="500"/>
-                                        <p:tgtEl>
-                                          <p:spTgt spid="3">
-                                            <p:txEl>
-                                              <p:pRg st="2" end="2"/>
-                                            </p:txEl>
-                                          </p:spTgt>
-                                        </p:tgtEl>
-                                      </p:cBhvr>
-                                    </p:animEffect>
-                                  </p:childTnLst>
-                                </p:cTn>
-                              </p:par>
-                              <p:par>
-                                <p:cTn id="13" presetID="10" presetClass="entr" presetSubtype="0" fill="hold" nodeType="withEffect">
-                                  <p:stCondLst>
-                                    <p:cond delay="0"/>
-                                  </p:stCondLst>
-                                  <p:childTnLst>
-                                    <p:set>
-                                      <p:cBhvr>
-                                        <p:cTn id="14" dur="1" fill="hold">
-                                          <p:stCondLst>
-                                            <p:cond delay="0"/>
-                                          </p:stCondLst>
-                                        </p:cTn>
-                                        <p:tgtEl>
-                                          <p:spTgt spid="3">
-                                            <p:txEl>
-                                              <p:pRg st="3" end="3"/>
-                                            </p:txEl>
-                                          </p:spTgt>
-                                        </p:tgtEl>
-                                        <p:attrNameLst>
-                                          <p:attrName>style.visibility</p:attrName>
-                                        </p:attrNameLst>
-                                      </p:cBhvr>
-                                      <p:to>
-                                        <p:strVal val="visible"/>
-                                      </p:to>
-                                    </p:set>
-                                    <p:animEffect transition="in" filter="fade">
-                                      <p:cBhvr>
-                                        <p:cTn id="15" dur="500"/>
-                                        <p:tgtEl>
-                                          <p:spTgt spid="3">
-                                            <p:txEl>
-                                              <p:pRg st="3" end="3"/>
-                                            </p:txEl>
-                                          </p:spTgt>
-                                        </p:tgtEl>
-                                      </p:cBhvr>
-                                    </p:animEffect>
-                                  </p:childTnLst>
-                                </p:cTn>
-                              </p:par>
-                              <p:par>
-                                <p:cTn id="16" presetID="10" presetClass="entr" presetSubtype="0" fill="hold" nodeType="withEffect">
-                                  <p:stCondLst>
-                                    <p:cond delay="0"/>
-                                  </p:stCondLst>
-                                  <p:childTnLst>
-                                    <p:set>
-                                      <p:cBhvr>
-                                        <p:cTn id="17" dur="1" fill="hold">
-                                          <p:stCondLst>
-                                            <p:cond delay="0"/>
-                                          </p:stCondLst>
-                                        </p:cTn>
-                                        <p:tgtEl>
-                                          <p:spTgt spid="3">
-                                            <p:txEl>
-                                              <p:pRg st="4" end="4"/>
-                                            </p:txEl>
-                                          </p:spTgt>
-                                        </p:tgtEl>
-                                        <p:attrNameLst>
-                                          <p:attrName>style.visibility</p:attrName>
-                                        </p:attrNameLst>
-                                      </p:cBhvr>
-                                      <p:to>
-                                        <p:strVal val="visible"/>
-                                      </p:to>
-                                    </p:set>
-                                    <p:animEffect transition="in" filter="fade">
-                                      <p:cBhvr>
-                                        <p:cTn id="18" dur="500"/>
-                                        <p:tgtEl>
-                                          <p:spTgt spid="3">
-                                            <p:txEl>
-                                              <p:pRg st="4" end="4"/>
-                                            </p:txEl>
-                                          </p:spTgt>
-                                        </p:tgtEl>
-                                      </p:cBhvr>
-                                    </p:animEffect>
-                                  </p:childTnLst>
-                                </p:cTn>
-                              </p:par>
-                            </p:childTnLst>
-                          </p:cTn>
-                        </p:par>
-                      </p:childTnLst>
-                    </p:cTn>
-                  </p:par>
-                  <p:par>
-                    <p:cTn id="19" fill="hold">
-                      <p:stCondLst>
-                        <p:cond delay="indefinite"/>
-                      </p:stCondLst>
-                      <p:childTnLst>
-                        <p:par>
-                          <p:cTn id="20" fill="hold">
-                            <p:stCondLst>
-                              <p:cond delay="0"/>
-                            </p:stCondLst>
-                            <p:childTnLst>
-                              <p:par>
-                                <p:cTn id="21" presetID="10" presetClass="entr" presetSubtype="0" fill="hold" nodeType="clickEffect">
-                                  <p:stCondLst>
-                                    <p:cond delay="0"/>
-                                  </p:stCondLst>
-                                  <p:childTnLst>
-                                    <p:set>
-                                      <p:cBhvr>
-                                        <p:cTn id="22" dur="1" fill="hold">
-                                          <p:stCondLst>
-                                            <p:cond delay="0"/>
-                                          </p:stCondLst>
-                                        </p:cTn>
-                                        <p:tgtEl>
-                                          <p:spTgt spid="3">
-                                            <p:txEl>
-                                              <p:pRg st="6" end="6"/>
-                                            </p:txEl>
-                                          </p:spTgt>
-                                        </p:tgtEl>
-                                        <p:attrNameLst>
-                                          <p:attrName>style.visibility</p:attrName>
-                                        </p:attrNameLst>
-                                      </p:cBhvr>
-                                      <p:to>
-                                        <p:strVal val="visible"/>
-                                      </p:to>
-                                    </p:set>
-                                    <p:animEffect transition="in" filter="fade">
-                                      <p:cBhvr>
-                                        <p:cTn id="23" dur="500"/>
-                                        <p:tgtEl>
-                                          <p:spTgt spid="3">
-                                            <p:txEl>
-                                              <p:pRg st="6" end="6"/>
-                                            </p:txEl>
-                                          </p:spTgt>
-                                        </p:tgtEl>
-                                      </p:cBhvr>
-                                    </p:animEffect>
-                                  </p:childTnLst>
-                                </p:cTn>
-                              </p:par>
-                            </p:childTnLst>
-                          </p:cTn>
-                        </p:par>
-                      </p:childTnLst>
-                    </p:cTn>
-                  </p:par>
-                  <p:par>
-                    <p:cTn id="24" fill="hold">
-                      <p:stCondLst>
-                        <p:cond delay="indefinite"/>
-                      </p:stCondLst>
-                      <p:childTnLst>
-                        <p:par>
-                          <p:cTn id="25" fill="hold">
-                            <p:stCondLst>
-                              <p:cond delay="0"/>
-                            </p:stCondLst>
-                            <p:childTnLst>
-                              <p:par>
-                                <p:cTn id="26" presetID="10" presetClass="entr" presetSubtype="0" fill="hold" nodeType="clickEffect">
-                                  <p:stCondLst>
-                                    <p:cond delay="0"/>
-                                  </p:stCondLst>
-                                  <p:childTnLst>
-                                    <p:set>
-                                      <p:cBhvr>
-                                        <p:cTn id="27" dur="1" fill="hold">
-                                          <p:stCondLst>
-                                            <p:cond delay="0"/>
-                                          </p:stCondLst>
-                                        </p:cTn>
-                                        <p:tgtEl>
-                                          <p:spTgt spid="3">
-                                            <p:txEl>
-                                              <p:pRg st="8" end="8"/>
-                                            </p:txEl>
-                                          </p:spTgt>
-                                        </p:tgtEl>
-                                        <p:attrNameLst>
-                                          <p:attrName>style.visibility</p:attrName>
-                                        </p:attrNameLst>
-                                      </p:cBhvr>
-                                      <p:to>
-                                        <p:strVal val="visible"/>
-                                      </p:to>
-                                    </p:set>
-                                    <p:animEffect transition="in" filter="fade">
-                                      <p:cBhvr>
-                                        <p:cTn id="28" dur="500"/>
-                                        <p:tgtEl>
-                                          <p:spTgt spid="3">
-                                            <p:txEl>
-                                              <p:pRg st="8" end="8"/>
-                                            </p:txEl>
-                                          </p:spTgt>
-                                        </p:tgtEl>
-                                      </p:cBhvr>
-                                    </p:animEffect>
-                                  </p:childTnLst>
-                                </p:cTn>
-                              </p:par>
-                            </p:childTnLst>
-                          </p:cTn>
-                        </p:par>
-                      </p:childTnLst>
-                    </p:cTn>
-                  </p:par>
-                </p:childTnLst>
-              </p:cTn>
-              <p:prevCondLst>
-                <p:cond evt="onPrev" delay="0">
-                  <p:tgtEl>
-                    <p:sldTgt/>
-                  </p:tgtEl>
-                </p:cond>
-              </p:prevCondLst>
-              <p:nextCondLst>
-                <p:cond evt="onNext" delay="0">
-                  <p:tgtEl>
-                    <p:sldTgt/>
-                  </p:tgtEl>
-                </p:cond>
-              </p:nextCondLst>
-            </p:seq>
-          </p:childTnLst>
-        </p:cTn>
-      </p:par>
-    </p:tnLst>
-  </p:timing>
-</p:sld>
-</file>
-
-<file path=ppt/slides/slide40.xml><?xml version="1.0" encoding="utf-8"?>
+<file path=ppt/slides/slide41.xml><?xml version="1.0" encoding="utf-8"?>
 <p:sld xmlns:a="http://schemas.openxmlformats.org/drawingml/2006/main" xmlns:r="http://schemas.openxmlformats.org/officeDocument/2006/relationships" xmlns:p="http://schemas.openxmlformats.org/presentationml/2006/main">
   <p:cSld>
     <p:spTree>
@@ -28542,7 +29496,7 @@
                 </a:solidFill>
                 <a:latin typeface="Garamond" panose="02020404030301010803" pitchFamily="18" charset="0"/>
               </a:rPr>
-              <a:t>40</a:t>
+              <a:t>41</a:t>
             </a:fld>
             <a:r>
               <a:rPr lang="en-US" b="1" dirty="0">
@@ -29090,7 +30044,7 @@
 </p:sld>
 </file>
 
-<file path=ppt/slides/slide41.xml><?xml version="1.0" encoding="utf-8"?>
+<file path=ppt/slides/slide42.xml><?xml version="1.0" encoding="utf-8"?>
 <p:sld xmlns:a="http://schemas.openxmlformats.org/drawingml/2006/main" xmlns:r="http://schemas.openxmlformats.org/officeDocument/2006/relationships" xmlns:p="http://schemas.openxmlformats.org/presentationml/2006/main">
   <p:cSld>
     <p:spTree>
@@ -29530,7 +30484,7 @@
                 </a:solidFill>
                 <a:latin typeface="Garamond" panose="02020404030301010803" pitchFamily="18" charset="0"/>
               </a:rPr>
-              <a:t>41</a:t>
+              <a:t>42</a:t>
             </a:fld>
             <a:r>
               <a:rPr lang="en-US" b="1" dirty="0">
